--- a/Statistics and Data Science in Practice/Work&Model&Academia.pptx
+++ b/Statistics and Data Science in Practice/Work&Model&Academia.pptx
@@ -5,7 +5,7 @@
     <p:sldMasterId id="2147483648" r:id="rId1"/>
   </p:sldMasterIdLst>
   <p:notesMasterIdLst>
-    <p:notesMasterId r:id="rId21"/>
+    <p:notesMasterId r:id="rId22"/>
   </p:notesMasterIdLst>
   <p:sldIdLst>
     <p:sldId id="279" r:id="rId2"/>
@@ -26,7 +26,8 @@
     <p:sldId id="276" r:id="rId17"/>
     <p:sldId id="277" r:id="rId18"/>
     <p:sldId id="289" r:id="rId19"/>
-    <p:sldId id="288" r:id="rId20"/>
+    <p:sldId id="290" r:id="rId20"/>
+    <p:sldId id="288" r:id="rId21"/>
   </p:sldIdLst>
   <p:sldSz cx="12192000" cy="6858000"/>
   <p:notesSz cx="6858000" cy="9144000"/>
@@ -215,7 +216,7 @@
           <a:p>
             <a:fld id="{C18F4376-1184-EF45-B47E-9B2D8CF571C1}" type="datetimeFigureOut">
               <a:rPr kumimoji="1" lang="zh-CN" altLang="en-US" smtClean="0"/>
-              <a:t>2024/1/8</a:t>
+              <a:t>2024/1/9</a:t>
             </a:fld>
             <a:endParaRPr kumimoji="1" lang="zh-CN" altLang="en-US"/>
           </a:p>
@@ -672,7 +673,7 @@
           <p:cNvPr id="2" name="标题 1">
             <a:extLst>
               <a:ext uri="{FF2B5EF4-FFF2-40B4-BE49-F238E27FC236}">
-                <a16:creationId xmlns="" xmlns:a16="http://schemas.microsoft.com/office/drawing/2014/main" id="{7CD3524F-BF96-97E5-EBFB-52DAD41DBA3E}"/>
+                <a16:creationId xmlns:a16="http://schemas.microsoft.com/office/drawing/2014/main" id="{7CD3524F-BF96-97E5-EBFB-52DAD41DBA3E}"/>
               </a:ext>
             </a:extLst>
           </p:cNvPr>
@@ -709,7 +710,7 @@
           <p:cNvPr id="3" name="副标题 2">
             <a:extLst>
               <a:ext uri="{FF2B5EF4-FFF2-40B4-BE49-F238E27FC236}">
-                <a16:creationId xmlns="" xmlns:a16="http://schemas.microsoft.com/office/drawing/2014/main" id="{E0903F76-A139-F3EF-976B-3B34FBCC2933}"/>
+                <a16:creationId xmlns:a16="http://schemas.microsoft.com/office/drawing/2014/main" id="{E0903F76-A139-F3EF-976B-3B34FBCC2933}"/>
               </a:ext>
             </a:extLst>
           </p:cNvPr>
@@ -779,7 +780,7 @@
           <p:cNvPr id="4" name="日期占位符 3">
             <a:extLst>
               <a:ext uri="{FF2B5EF4-FFF2-40B4-BE49-F238E27FC236}">
-                <a16:creationId xmlns="" xmlns:a16="http://schemas.microsoft.com/office/drawing/2014/main" id="{FB41496A-D088-644E-0F18-1168329C1FAB}"/>
+                <a16:creationId xmlns:a16="http://schemas.microsoft.com/office/drawing/2014/main" id="{FB41496A-D088-644E-0F18-1168329C1FAB}"/>
               </a:ext>
             </a:extLst>
           </p:cNvPr>
@@ -797,7 +798,7 @@
           <a:p>
             <a:fld id="{BCA828C2-A956-764F-8682-3E0C1493743B}" type="datetimeFigureOut">
               <a:rPr kumimoji="1" lang="zh-CN" altLang="en-US" smtClean="0"/>
-              <a:t>2024/1/8</a:t>
+              <a:t>2024/1/9</a:t>
             </a:fld>
             <a:endParaRPr kumimoji="1" lang="zh-CN" altLang="en-US"/>
           </a:p>
@@ -808,7 +809,7 @@
           <p:cNvPr id="5" name="页脚占位符 4">
             <a:extLst>
               <a:ext uri="{FF2B5EF4-FFF2-40B4-BE49-F238E27FC236}">
-                <a16:creationId xmlns="" xmlns:a16="http://schemas.microsoft.com/office/drawing/2014/main" id="{33BAFA7F-953C-707D-768F-5D7572B1ABD1}"/>
+                <a16:creationId xmlns:a16="http://schemas.microsoft.com/office/drawing/2014/main" id="{33BAFA7F-953C-707D-768F-5D7572B1ABD1}"/>
               </a:ext>
             </a:extLst>
           </p:cNvPr>
@@ -833,7 +834,7 @@
           <p:cNvPr id="6" name="灯片编号占位符 5">
             <a:extLst>
               <a:ext uri="{FF2B5EF4-FFF2-40B4-BE49-F238E27FC236}">
-                <a16:creationId xmlns="" xmlns:a16="http://schemas.microsoft.com/office/drawing/2014/main" id="{7EC6BD57-4320-997C-9FCF-A45E5866A8AD}"/>
+                <a16:creationId xmlns:a16="http://schemas.microsoft.com/office/drawing/2014/main" id="{7EC6BD57-4320-997C-9FCF-A45E5866A8AD}"/>
               </a:ext>
             </a:extLst>
           </p:cNvPr>
@@ -892,7 +893,7 @@
           <p:cNvPr id="2" name="标题 1">
             <a:extLst>
               <a:ext uri="{FF2B5EF4-FFF2-40B4-BE49-F238E27FC236}">
-                <a16:creationId xmlns="" xmlns:a16="http://schemas.microsoft.com/office/drawing/2014/main" id="{A0DFE8ED-1421-91F1-B603-4B871E42609C}"/>
+                <a16:creationId xmlns:a16="http://schemas.microsoft.com/office/drawing/2014/main" id="{A0DFE8ED-1421-91F1-B603-4B871E42609C}"/>
               </a:ext>
             </a:extLst>
           </p:cNvPr>
@@ -920,7 +921,7 @@
           <p:cNvPr id="3" name="竖排文字占位符 2">
             <a:extLst>
               <a:ext uri="{FF2B5EF4-FFF2-40B4-BE49-F238E27FC236}">
-                <a16:creationId xmlns="" xmlns:a16="http://schemas.microsoft.com/office/drawing/2014/main" id="{BC4A2C61-3F5F-3318-5662-D62AD78A4278}"/>
+                <a16:creationId xmlns:a16="http://schemas.microsoft.com/office/drawing/2014/main" id="{BC4A2C61-3F5F-3318-5662-D62AD78A4278}"/>
               </a:ext>
             </a:extLst>
           </p:cNvPr>
@@ -977,7 +978,7 @@
           <p:cNvPr id="4" name="日期占位符 3">
             <a:extLst>
               <a:ext uri="{FF2B5EF4-FFF2-40B4-BE49-F238E27FC236}">
-                <a16:creationId xmlns="" xmlns:a16="http://schemas.microsoft.com/office/drawing/2014/main" id="{9E03FFEE-1655-6CCC-B96A-904FEE49CCFE}"/>
+                <a16:creationId xmlns:a16="http://schemas.microsoft.com/office/drawing/2014/main" id="{9E03FFEE-1655-6CCC-B96A-904FEE49CCFE}"/>
               </a:ext>
             </a:extLst>
           </p:cNvPr>
@@ -995,7 +996,7 @@
           <a:p>
             <a:fld id="{BCA828C2-A956-764F-8682-3E0C1493743B}" type="datetimeFigureOut">
               <a:rPr kumimoji="1" lang="zh-CN" altLang="en-US" smtClean="0"/>
-              <a:t>2024/1/8</a:t>
+              <a:t>2024/1/9</a:t>
             </a:fld>
             <a:endParaRPr kumimoji="1" lang="zh-CN" altLang="en-US"/>
           </a:p>
@@ -1006,7 +1007,7 @@
           <p:cNvPr id="5" name="页脚占位符 4">
             <a:extLst>
               <a:ext uri="{FF2B5EF4-FFF2-40B4-BE49-F238E27FC236}">
-                <a16:creationId xmlns="" xmlns:a16="http://schemas.microsoft.com/office/drawing/2014/main" id="{C5BE1B4D-6A5F-1A3F-49AE-6D37B7DF5118}"/>
+                <a16:creationId xmlns:a16="http://schemas.microsoft.com/office/drawing/2014/main" id="{C5BE1B4D-6A5F-1A3F-49AE-6D37B7DF5118}"/>
               </a:ext>
             </a:extLst>
           </p:cNvPr>
@@ -1031,7 +1032,7 @@
           <p:cNvPr id="6" name="灯片编号占位符 5">
             <a:extLst>
               <a:ext uri="{FF2B5EF4-FFF2-40B4-BE49-F238E27FC236}">
-                <a16:creationId xmlns="" xmlns:a16="http://schemas.microsoft.com/office/drawing/2014/main" id="{B6B4A2C4-E5A1-76A3-F051-B5C947B1280D}"/>
+                <a16:creationId xmlns:a16="http://schemas.microsoft.com/office/drawing/2014/main" id="{B6B4A2C4-E5A1-76A3-F051-B5C947B1280D}"/>
               </a:ext>
             </a:extLst>
           </p:cNvPr>
@@ -1090,7 +1091,7 @@
           <p:cNvPr id="2" name="竖排标题 1">
             <a:extLst>
               <a:ext uri="{FF2B5EF4-FFF2-40B4-BE49-F238E27FC236}">
-                <a16:creationId xmlns="" xmlns:a16="http://schemas.microsoft.com/office/drawing/2014/main" id="{A2A5EE19-1E7D-CE48-48A5-998016DED541}"/>
+                <a16:creationId xmlns:a16="http://schemas.microsoft.com/office/drawing/2014/main" id="{A2A5EE19-1E7D-CE48-48A5-998016DED541}"/>
               </a:ext>
             </a:extLst>
           </p:cNvPr>
@@ -1123,7 +1124,7 @@
           <p:cNvPr id="3" name="竖排文字占位符 2">
             <a:extLst>
               <a:ext uri="{FF2B5EF4-FFF2-40B4-BE49-F238E27FC236}">
-                <a16:creationId xmlns="" xmlns:a16="http://schemas.microsoft.com/office/drawing/2014/main" id="{3DC48EAA-C9DA-B10E-704F-E0A02C40C44B}"/>
+                <a16:creationId xmlns:a16="http://schemas.microsoft.com/office/drawing/2014/main" id="{3DC48EAA-C9DA-B10E-704F-E0A02C40C44B}"/>
               </a:ext>
             </a:extLst>
           </p:cNvPr>
@@ -1185,7 +1186,7 @@
           <p:cNvPr id="4" name="日期占位符 3">
             <a:extLst>
               <a:ext uri="{FF2B5EF4-FFF2-40B4-BE49-F238E27FC236}">
-                <a16:creationId xmlns="" xmlns:a16="http://schemas.microsoft.com/office/drawing/2014/main" id="{04EEF0F5-9AA7-4030-343F-8D4E7798E189}"/>
+                <a16:creationId xmlns:a16="http://schemas.microsoft.com/office/drawing/2014/main" id="{04EEF0F5-9AA7-4030-343F-8D4E7798E189}"/>
               </a:ext>
             </a:extLst>
           </p:cNvPr>
@@ -1203,7 +1204,7 @@
           <a:p>
             <a:fld id="{BCA828C2-A956-764F-8682-3E0C1493743B}" type="datetimeFigureOut">
               <a:rPr kumimoji="1" lang="zh-CN" altLang="en-US" smtClean="0"/>
-              <a:t>2024/1/8</a:t>
+              <a:t>2024/1/9</a:t>
             </a:fld>
             <a:endParaRPr kumimoji="1" lang="zh-CN" altLang="en-US"/>
           </a:p>
@@ -1214,7 +1215,7 @@
           <p:cNvPr id="5" name="页脚占位符 4">
             <a:extLst>
               <a:ext uri="{FF2B5EF4-FFF2-40B4-BE49-F238E27FC236}">
-                <a16:creationId xmlns="" xmlns:a16="http://schemas.microsoft.com/office/drawing/2014/main" id="{F2BBB27E-3D81-6F2A-5830-2EB935F8298D}"/>
+                <a16:creationId xmlns:a16="http://schemas.microsoft.com/office/drawing/2014/main" id="{F2BBB27E-3D81-6F2A-5830-2EB935F8298D}"/>
               </a:ext>
             </a:extLst>
           </p:cNvPr>
@@ -1239,7 +1240,7 @@
           <p:cNvPr id="6" name="灯片编号占位符 5">
             <a:extLst>
               <a:ext uri="{FF2B5EF4-FFF2-40B4-BE49-F238E27FC236}">
-                <a16:creationId xmlns="" xmlns:a16="http://schemas.microsoft.com/office/drawing/2014/main" id="{59739B62-6D94-F5DE-C2DA-E8DA32649849}"/>
+                <a16:creationId xmlns:a16="http://schemas.microsoft.com/office/drawing/2014/main" id="{59739B62-6D94-F5DE-C2DA-E8DA32649849}"/>
               </a:ext>
             </a:extLst>
           </p:cNvPr>
@@ -1298,7 +1299,7 @@
           <p:cNvPr id="2" name="标题 1">
             <a:extLst>
               <a:ext uri="{FF2B5EF4-FFF2-40B4-BE49-F238E27FC236}">
-                <a16:creationId xmlns="" xmlns:a16="http://schemas.microsoft.com/office/drawing/2014/main" id="{BE4281D3-FA77-BB51-9B99-794A1C87433E}"/>
+                <a16:creationId xmlns:a16="http://schemas.microsoft.com/office/drawing/2014/main" id="{BE4281D3-FA77-BB51-9B99-794A1C87433E}"/>
               </a:ext>
             </a:extLst>
           </p:cNvPr>
@@ -1326,7 +1327,7 @@
           <p:cNvPr id="3" name="内容占位符 2">
             <a:extLst>
               <a:ext uri="{FF2B5EF4-FFF2-40B4-BE49-F238E27FC236}">
-                <a16:creationId xmlns="" xmlns:a16="http://schemas.microsoft.com/office/drawing/2014/main" id="{715F851E-288E-7E46-A98D-56855C9C0B1A}"/>
+                <a16:creationId xmlns:a16="http://schemas.microsoft.com/office/drawing/2014/main" id="{715F851E-288E-7E46-A98D-56855C9C0B1A}"/>
               </a:ext>
             </a:extLst>
           </p:cNvPr>
@@ -1383,7 +1384,7 @@
           <p:cNvPr id="4" name="日期占位符 3">
             <a:extLst>
               <a:ext uri="{FF2B5EF4-FFF2-40B4-BE49-F238E27FC236}">
-                <a16:creationId xmlns="" xmlns:a16="http://schemas.microsoft.com/office/drawing/2014/main" id="{3D2276FD-3D01-B669-7379-CE1981161732}"/>
+                <a16:creationId xmlns:a16="http://schemas.microsoft.com/office/drawing/2014/main" id="{3D2276FD-3D01-B669-7379-CE1981161732}"/>
               </a:ext>
             </a:extLst>
           </p:cNvPr>
@@ -1401,7 +1402,7 @@
           <a:p>
             <a:fld id="{BCA828C2-A956-764F-8682-3E0C1493743B}" type="datetimeFigureOut">
               <a:rPr kumimoji="1" lang="zh-CN" altLang="en-US" smtClean="0"/>
-              <a:t>2024/1/8</a:t>
+              <a:t>2024/1/9</a:t>
             </a:fld>
             <a:endParaRPr kumimoji="1" lang="zh-CN" altLang="en-US"/>
           </a:p>
@@ -1412,7 +1413,7 @@
           <p:cNvPr id="5" name="页脚占位符 4">
             <a:extLst>
               <a:ext uri="{FF2B5EF4-FFF2-40B4-BE49-F238E27FC236}">
-                <a16:creationId xmlns="" xmlns:a16="http://schemas.microsoft.com/office/drawing/2014/main" id="{F63D6261-53F4-7F5E-B6CB-9CC15F833DB3}"/>
+                <a16:creationId xmlns:a16="http://schemas.microsoft.com/office/drawing/2014/main" id="{F63D6261-53F4-7F5E-B6CB-9CC15F833DB3}"/>
               </a:ext>
             </a:extLst>
           </p:cNvPr>
@@ -1437,7 +1438,7 @@
           <p:cNvPr id="6" name="灯片编号占位符 5">
             <a:extLst>
               <a:ext uri="{FF2B5EF4-FFF2-40B4-BE49-F238E27FC236}">
-                <a16:creationId xmlns="" xmlns:a16="http://schemas.microsoft.com/office/drawing/2014/main" id="{2A811A77-102C-9F9A-06C5-662FA9FF87A7}"/>
+                <a16:creationId xmlns:a16="http://schemas.microsoft.com/office/drawing/2014/main" id="{2A811A77-102C-9F9A-06C5-662FA9FF87A7}"/>
               </a:ext>
             </a:extLst>
           </p:cNvPr>
@@ -1496,7 +1497,7 @@
           <p:cNvPr id="2" name="标题 1">
             <a:extLst>
               <a:ext uri="{FF2B5EF4-FFF2-40B4-BE49-F238E27FC236}">
-                <a16:creationId xmlns="" xmlns:a16="http://schemas.microsoft.com/office/drawing/2014/main" id="{AEF76659-1EFA-65EC-069C-E799381807A7}"/>
+                <a16:creationId xmlns:a16="http://schemas.microsoft.com/office/drawing/2014/main" id="{AEF76659-1EFA-65EC-069C-E799381807A7}"/>
               </a:ext>
             </a:extLst>
           </p:cNvPr>
@@ -1533,7 +1534,7 @@
           <p:cNvPr id="3" name="文本占位符 2">
             <a:extLst>
               <a:ext uri="{FF2B5EF4-FFF2-40B4-BE49-F238E27FC236}">
-                <a16:creationId xmlns="" xmlns:a16="http://schemas.microsoft.com/office/drawing/2014/main" id="{1F5C6761-2DD1-098A-5759-399C8DE23283}"/>
+                <a16:creationId xmlns:a16="http://schemas.microsoft.com/office/drawing/2014/main" id="{1F5C6761-2DD1-098A-5759-399C8DE23283}"/>
               </a:ext>
             </a:extLst>
           </p:cNvPr>
@@ -1658,7 +1659,7 @@
           <p:cNvPr id="4" name="日期占位符 3">
             <a:extLst>
               <a:ext uri="{FF2B5EF4-FFF2-40B4-BE49-F238E27FC236}">
-                <a16:creationId xmlns="" xmlns:a16="http://schemas.microsoft.com/office/drawing/2014/main" id="{F53111C2-5EA8-109F-EC80-813EC4E9707B}"/>
+                <a16:creationId xmlns:a16="http://schemas.microsoft.com/office/drawing/2014/main" id="{F53111C2-5EA8-109F-EC80-813EC4E9707B}"/>
               </a:ext>
             </a:extLst>
           </p:cNvPr>
@@ -1676,7 +1677,7 @@
           <a:p>
             <a:fld id="{BCA828C2-A956-764F-8682-3E0C1493743B}" type="datetimeFigureOut">
               <a:rPr kumimoji="1" lang="zh-CN" altLang="en-US" smtClean="0"/>
-              <a:t>2024/1/8</a:t>
+              <a:t>2024/1/9</a:t>
             </a:fld>
             <a:endParaRPr kumimoji="1" lang="zh-CN" altLang="en-US"/>
           </a:p>
@@ -1687,7 +1688,7 @@
           <p:cNvPr id="5" name="页脚占位符 4">
             <a:extLst>
               <a:ext uri="{FF2B5EF4-FFF2-40B4-BE49-F238E27FC236}">
-                <a16:creationId xmlns="" xmlns:a16="http://schemas.microsoft.com/office/drawing/2014/main" id="{16A336C3-B33C-EFCA-C5AE-7DFD75FEEB75}"/>
+                <a16:creationId xmlns:a16="http://schemas.microsoft.com/office/drawing/2014/main" id="{16A336C3-B33C-EFCA-C5AE-7DFD75FEEB75}"/>
               </a:ext>
             </a:extLst>
           </p:cNvPr>
@@ -1712,7 +1713,7 @@
           <p:cNvPr id="6" name="灯片编号占位符 5">
             <a:extLst>
               <a:ext uri="{FF2B5EF4-FFF2-40B4-BE49-F238E27FC236}">
-                <a16:creationId xmlns="" xmlns:a16="http://schemas.microsoft.com/office/drawing/2014/main" id="{52E95F59-F44B-4EDB-8449-65EBFEFAED65}"/>
+                <a16:creationId xmlns:a16="http://schemas.microsoft.com/office/drawing/2014/main" id="{52E95F59-F44B-4EDB-8449-65EBFEFAED65}"/>
               </a:ext>
             </a:extLst>
           </p:cNvPr>
@@ -1771,7 +1772,7 @@
           <p:cNvPr id="2" name="标题 1">
             <a:extLst>
               <a:ext uri="{FF2B5EF4-FFF2-40B4-BE49-F238E27FC236}">
-                <a16:creationId xmlns="" xmlns:a16="http://schemas.microsoft.com/office/drawing/2014/main" id="{A41FA1C9-8C56-481B-EF3A-41E12D8AE3C5}"/>
+                <a16:creationId xmlns:a16="http://schemas.microsoft.com/office/drawing/2014/main" id="{A41FA1C9-8C56-481B-EF3A-41E12D8AE3C5}"/>
               </a:ext>
             </a:extLst>
           </p:cNvPr>
@@ -1799,7 +1800,7 @@
           <p:cNvPr id="3" name="内容占位符 2">
             <a:extLst>
               <a:ext uri="{FF2B5EF4-FFF2-40B4-BE49-F238E27FC236}">
-                <a16:creationId xmlns="" xmlns:a16="http://schemas.microsoft.com/office/drawing/2014/main" id="{B3B35526-0897-7403-7523-C10AFC6E20CA}"/>
+                <a16:creationId xmlns:a16="http://schemas.microsoft.com/office/drawing/2014/main" id="{B3B35526-0897-7403-7523-C10AFC6E20CA}"/>
               </a:ext>
             </a:extLst>
           </p:cNvPr>
@@ -1861,7 +1862,7 @@
           <p:cNvPr id="4" name="内容占位符 3">
             <a:extLst>
               <a:ext uri="{FF2B5EF4-FFF2-40B4-BE49-F238E27FC236}">
-                <a16:creationId xmlns="" xmlns:a16="http://schemas.microsoft.com/office/drawing/2014/main" id="{A786E5D5-0C18-3A95-1291-6381B1B1B72C}"/>
+                <a16:creationId xmlns:a16="http://schemas.microsoft.com/office/drawing/2014/main" id="{A786E5D5-0C18-3A95-1291-6381B1B1B72C}"/>
               </a:ext>
             </a:extLst>
           </p:cNvPr>
@@ -1923,7 +1924,7 @@
           <p:cNvPr id="5" name="日期占位符 4">
             <a:extLst>
               <a:ext uri="{FF2B5EF4-FFF2-40B4-BE49-F238E27FC236}">
-                <a16:creationId xmlns="" xmlns:a16="http://schemas.microsoft.com/office/drawing/2014/main" id="{59A19001-6849-B8DB-8657-84553766B01C}"/>
+                <a16:creationId xmlns:a16="http://schemas.microsoft.com/office/drawing/2014/main" id="{59A19001-6849-B8DB-8657-84553766B01C}"/>
               </a:ext>
             </a:extLst>
           </p:cNvPr>
@@ -1941,7 +1942,7 @@
           <a:p>
             <a:fld id="{BCA828C2-A956-764F-8682-3E0C1493743B}" type="datetimeFigureOut">
               <a:rPr kumimoji="1" lang="zh-CN" altLang="en-US" smtClean="0"/>
-              <a:t>2024/1/8</a:t>
+              <a:t>2024/1/9</a:t>
             </a:fld>
             <a:endParaRPr kumimoji="1" lang="zh-CN" altLang="en-US"/>
           </a:p>
@@ -1952,7 +1953,7 @@
           <p:cNvPr id="6" name="页脚占位符 5">
             <a:extLst>
               <a:ext uri="{FF2B5EF4-FFF2-40B4-BE49-F238E27FC236}">
-                <a16:creationId xmlns="" xmlns:a16="http://schemas.microsoft.com/office/drawing/2014/main" id="{D89EB779-1365-AAA7-9A01-F59D66B8E524}"/>
+                <a16:creationId xmlns:a16="http://schemas.microsoft.com/office/drawing/2014/main" id="{D89EB779-1365-AAA7-9A01-F59D66B8E524}"/>
               </a:ext>
             </a:extLst>
           </p:cNvPr>
@@ -1977,7 +1978,7 @@
           <p:cNvPr id="7" name="灯片编号占位符 6">
             <a:extLst>
               <a:ext uri="{FF2B5EF4-FFF2-40B4-BE49-F238E27FC236}">
-                <a16:creationId xmlns="" xmlns:a16="http://schemas.microsoft.com/office/drawing/2014/main" id="{D5AC977E-C1F0-EA1F-FC00-58556F850D61}"/>
+                <a16:creationId xmlns:a16="http://schemas.microsoft.com/office/drawing/2014/main" id="{D5AC977E-C1F0-EA1F-FC00-58556F850D61}"/>
               </a:ext>
             </a:extLst>
           </p:cNvPr>
@@ -2036,7 +2037,7 @@
           <p:cNvPr id="2" name="标题 1">
             <a:extLst>
               <a:ext uri="{FF2B5EF4-FFF2-40B4-BE49-F238E27FC236}">
-                <a16:creationId xmlns="" xmlns:a16="http://schemas.microsoft.com/office/drawing/2014/main" id="{6E55BAB7-3D6A-1E3A-8E26-E091C4686519}"/>
+                <a16:creationId xmlns:a16="http://schemas.microsoft.com/office/drawing/2014/main" id="{6E55BAB7-3D6A-1E3A-8E26-E091C4686519}"/>
               </a:ext>
             </a:extLst>
           </p:cNvPr>
@@ -2069,7 +2070,7 @@
           <p:cNvPr id="3" name="文本占位符 2">
             <a:extLst>
               <a:ext uri="{FF2B5EF4-FFF2-40B4-BE49-F238E27FC236}">
-                <a16:creationId xmlns="" xmlns:a16="http://schemas.microsoft.com/office/drawing/2014/main" id="{B91E6EFD-2CC2-1FF4-15B3-49BE70B344CF}"/>
+                <a16:creationId xmlns:a16="http://schemas.microsoft.com/office/drawing/2014/main" id="{B91E6EFD-2CC2-1FF4-15B3-49BE70B344CF}"/>
               </a:ext>
             </a:extLst>
           </p:cNvPr>
@@ -2140,7 +2141,7 @@
           <p:cNvPr id="4" name="内容占位符 3">
             <a:extLst>
               <a:ext uri="{FF2B5EF4-FFF2-40B4-BE49-F238E27FC236}">
-                <a16:creationId xmlns="" xmlns:a16="http://schemas.microsoft.com/office/drawing/2014/main" id="{67768A80-5EBC-6EFE-EF8C-B23F66AAE9B4}"/>
+                <a16:creationId xmlns:a16="http://schemas.microsoft.com/office/drawing/2014/main" id="{67768A80-5EBC-6EFE-EF8C-B23F66AAE9B4}"/>
               </a:ext>
             </a:extLst>
           </p:cNvPr>
@@ -2202,7 +2203,7 @@
           <p:cNvPr id="5" name="文本占位符 4">
             <a:extLst>
               <a:ext uri="{FF2B5EF4-FFF2-40B4-BE49-F238E27FC236}">
-                <a16:creationId xmlns="" xmlns:a16="http://schemas.microsoft.com/office/drawing/2014/main" id="{050B7701-CFE1-4425-C89E-3C5504D0DA2A}"/>
+                <a16:creationId xmlns:a16="http://schemas.microsoft.com/office/drawing/2014/main" id="{050B7701-CFE1-4425-C89E-3C5504D0DA2A}"/>
               </a:ext>
             </a:extLst>
           </p:cNvPr>
@@ -2273,7 +2274,7 @@
           <p:cNvPr id="6" name="内容占位符 5">
             <a:extLst>
               <a:ext uri="{FF2B5EF4-FFF2-40B4-BE49-F238E27FC236}">
-                <a16:creationId xmlns="" xmlns:a16="http://schemas.microsoft.com/office/drawing/2014/main" id="{87713DD7-34CA-6AA1-FAAE-48E26751EBD3}"/>
+                <a16:creationId xmlns:a16="http://schemas.microsoft.com/office/drawing/2014/main" id="{87713DD7-34CA-6AA1-FAAE-48E26751EBD3}"/>
               </a:ext>
             </a:extLst>
           </p:cNvPr>
@@ -2335,7 +2336,7 @@
           <p:cNvPr id="7" name="日期占位符 6">
             <a:extLst>
               <a:ext uri="{FF2B5EF4-FFF2-40B4-BE49-F238E27FC236}">
-                <a16:creationId xmlns="" xmlns:a16="http://schemas.microsoft.com/office/drawing/2014/main" id="{F328F48E-A9F8-91E6-049E-AD13CEE8385C}"/>
+                <a16:creationId xmlns:a16="http://schemas.microsoft.com/office/drawing/2014/main" id="{F328F48E-A9F8-91E6-049E-AD13CEE8385C}"/>
               </a:ext>
             </a:extLst>
           </p:cNvPr>
@@ -2353,7 +2354,7 @@
           <a:p>
             <a:fld id="{BCA828C2-A956-764F-8682-3E0C1493743B}" type="datetimeFigureOut">
               <a:rPr kumimoji="1" lang="zh-CN" altLang="en-US" smtClean="0"/>
-              <a:t>2024/1/8</a:t>
+              <a:t>2024/1/9</a:t>
             </a:fld>
             <a:endParaRPr kumimoji="1" lang="zh-CN" altLang="en-US"/>
           </a:p>
@@ -2364,7 +2365,7 @@
           <p:cNvPr id="8" name="页脚占位符 7">
             <a:extLst>
               <a:ext uri="{FF2B5EF4-FFF2-40B4-BE49-F238E27FC236}">
-                <a16:creationId xmlns="" xmlns:a16="http://schemas.microsoft.com/office/drawing/2014/main" id="{118D0720-3D85-8890-C78A-488A684BA4EB}"/>
+                <a16:creationId xmlns:a16="http://schemas.microsoft.com/office/drawing/2014/main" id="{118D0720-3D85-8890-C78A-488A684BA4EB}"/>
               </a:ext>
             </a:extLst>
           </p:cNvPr>
@@ -2389,7 +2390,7 @@
           <p:cNvPr id="9" name="灯片编号占位符 8">
             <a:extLst>
               <a:ext uri="{FF2B5EF4-FFF2-40B4-BE49-F238E27FC236}">
-                <a16:creationId xmlns="" xmlns:a16="http://schemas.microsoft.com/office/drawing/2014/main" id="{B5B0EC48-3C21-250D-AD58-859B9A6D024B}"/>
+                <a16:creationId xmlns:a16="http://schemas.microsoft.com/office/drawing/2014/main" id="{B5B0EC48-3C21-250D-AD58-859B9A6D024B}"/>
               </a:ext>
             </a:extLst>
           </p:cNvPr>
@@ -2448,7 +2449,7 @@
           <p:cNvPr id="2" name="标题 1">
             <a:extLst>
               <a:ext uri="{FF2B5EF4-FFF2-40B4-BE49-F238E27FC236}">
-                <a16:creationId xmlns="" xmlns:a16="http://schemas.microsoft.com/office/drawing/2014/main" id="{B1297C64-8A5E-BC65-A88D-AD85702D6EEB}"/>
+                <a16:creationId xmlns:a16="http://schemas.microsoft.com/office/drawing/2014/main" id="{B1297C64-8A5E-BC65-A88D-AD85702D6EEB}"/>
               </a:ext>
             </a:extLst>
           </p:cNvPr>
@@ -2476,7 +2477,7 @@
           <p:cNvPr id="3" name="日期占位符 2">
             <a:extLst>
               <a:ext uri="{FF2B5EF4-FFF2-40B4-BE49-F238E27FC236}">
-                <a16:creationId xmlns="" xmlns:a16="http://schemas.microsoft.com/office/drawing/2014/main" id="{6C8D771A-E28F-7F9A-27F7-A5F2D98CD899}"/>
+                <a16:creationId xmlns:a16="http://schemas.microsoft.com/office/drawing/2014/main" id="{6C8D771A-E28F-7F9A-27F7-A5F2D98CD899}"/>
               </a:ext>
             </a:extLst>
           </p:cNvPr>
@@ -2494,7 +2495,7 @@
           <a:p>
             <a:fld id="{BCA828C2-A956-764F-8682-3E0C1493743B}" type="datetimeFigureOut">
               <a:rPr kumimoji="1" lang="zh-CN" altLang="en-US" smtClean="0"/>
-              <a:t>2024/1/8</a:t>
+              <a:t>2024/1/9</a:t>
             </a:fld>
             <a:endParaRPr kumimoji="1" lang="zh-CN" altLang="en-US"/>
           </a:p>
@@ -2505,7 +2506,7 @@
           <p:cNvPr id="4" name="页脚占位符 3">
             <a:extLst>
               <a:ext uri="{FF2B5EF4-FFF2-40B4-BE49-F238E27FC236}">
-                <a16:creationId xmlns="" xmlns:a16="http://schemas.microsoft.com/office/drawing/2014/main" id="{B8E6A992-AD87-D892-B1B7-8B35659233E4}"/>
+                <a16:creationId xmlns:a16="http://schemas.microsoft.com/office/drawing/2014/main" id="{B8E6A992-AD87-D892-B1B7-8B35659233E4}"/>
               </a:ext>
             </a:extLst>
           </p:cNvPr>
@@ -2530,7 +2531,7 @@
           <p:cNvPr id="5" name="灯片编号占位符 4">
             <a:extLst>
               <a:ext uri="{FF2B5EF4-FFF2-40B4-BE49-F238E27FC236}">
-                <a16:creationId xmlns="" xmlns:a16="http://schemas.microsoft.com/office/drawing/2014/main" id="{1C4BF64F-3825-800B-DA74-C3B7AE54345D}"/>
+                <a16:creationId xmlns:a16="http://schemas.microsoft.com/office/drawing/2014/main" id="{1C4BF64F-3825-800B-DA74-C3B7AE54345D}"/>
               </a:ext>
             </a:extLst>
           </p:cNvPr>
@@ -2589,7 +2590,7 @@
           <p:cNvPr id="2" name="日期占位符 1">
             <a:extLst>
               <a:ext uri="{FF2B5EF4-FFF2-40B4-BE49-F238E27FC236}">
-                <a16:creationId xmlns="" xmlns:a16="http://schemas.microsoft.com/office/drawing/2014/main" id="{EFF6A0C2-EF47-5B50-3C7C-0D510049EF01}"/>
+                <a16:creationId xmlns:a16="http://schemas.microsoft.com/office/drawing/2014/main" id="{EFF6A0C2-EF47-5B50-3C7C-0D510049EF01}"/>
               </a:ext>
             </a:extLst>
           </p:cNvPr>
@@ -2607,7 +2608,7 @@
           <a:p>
             <a:fld id="{BCA828C2-A956-764F-8682-3E0C1493743B}" type="datetimeFigureOut">
               <a:rPr kumimoji="1" lang="zh-CN" altLang="en-US" smtClean="0"/>
-              <a:t>2024/1/8</a:t>
+              <a:t>2024/1/9</a:t>
             </a:fld>
             <a:endParaRPr kumimoji="1" lang="zh-CN" altLang="en-US"/>
           </a:p>
@@ -2618,7 +2619,7 @@
           <p:cNvPr id="3" name="页脚占位符 2">
             <a:extLst>
               <a:ext uri="{FF2B5EF4-FFF2-40B4-BE49-F238E27FC236}">
-                <a16:creationId xmlns="" xmlns:a16="http://schemas.microsoft.com/office/drawing/2014/main" id="{C0C93A40-D70B-5092-C4ED-C0196E1764E8}"/>
+                <a16:creationId xmlns:a16="http://schemas.microsoft.com/office/drawing/2014/main" id="{C0C93A40-D70B-5092-C4ED-C0196E1764E8}"/>
               </a:ext>
             </a:extLst>
           </p:cNvPr>
@@ -2643,7 +2644,7 @@
           <p:cNvPr id="4" name="灯片编号占位符 3">
             <a:extLst>
               <a:ext uri="{FF2B5EF4-FFF2-40B4-BE49-F238E27FC236}">
-                <a16:creationId xmlns="" xmlns:a16="http://schemas.microsoft.com/office/drawing/2014/main" id="{C40E14C6-3B8B-D3AD-95A4-8DF83A661489}"/>
+                <a16:creationId xmlns:a16="http://schemas.microsoft.com/office/drawing/2014/main" id="{C40E14C6-3B8B-D3AD-95A4-8DF83A661489}"/>
               </a:ext>
             </a:extLst>
           </p:cNvPr>
@@ -2702,7 +2703,7 @@
           <p:cNvPr id="2" name="标题 1">
             <a:extLst>
               <a:ext uri="{FF2B5EF4-FFF2-40B4-BE49-F238E27FC236}">
-                <a16:creationId xmlns="" xmlns:a16="http://schemas.microsoft.com/office/drawing/2014/main" id="{80101328-2EAB-2947-190C-2D60506F4D19}"/>
+                <a16:creationId xmlns:a16="http://schemas.microsoft.com/office/drawing/2014/main" id="{80101328-2EAB-2947-190C-2D60506F4D19}"/>
               </a:ext>
             </a:extLst>
           </p:cNvPr>
@@ -2739,7 +2740,7 @@
           <p:cNvPr id="3" name="内容占位符 2">
             <a:extLst>
               <a:ext uri="{FF2B5EF4-FFF2-40B4-BE49-F238E27FC236}">
-                <a16:creationId xmlns="" xmlns:a16="http://schemas.microsoft.com/office/drawing/2014/main" id="{F4D71323-6ABE-BDEA-E8B5-D8A6AA47224B}"/>
+                <a16:creationId xmlns:a16="http://schemas.microsoft.com/office/drawing/2014/main" id="{F4D71323-6ABE-BDEA-E8B5-D8A6AA47224B}"/>
               </a:ext>
             </a:extLst>
           </p:cNvPr>
@@ -2829,7 +2830,7 @@
           <p:cNvPr id="4" name="文本占位符 3">
             <a:extLst>
               <a:ext uri="{FF2B5EF4-FFF2-40B4-BE49-F238E27FC236}">
-                <a16:creationId xmlns="" xmlns:a16="http://schemas.microsoft.com/office/drawing/2014/main" id="{8661BBB1-5D56-86BF-3E6A-5DCE63C57B16}"/>
+                <a16:creationId xmlns:a16="http://schemas.microsoft.com/office/drawing/2014/main" id="{8661BBB1-5D56-86BF-3E6A-5DCE63C57B16}"/>
               </a:ext>
             </a:extLst>
           </p:cNvPr>
@@ -2900,7 +2901,7 @@
           <p:cNvPr id="5" name="日期占位符 4">
             <a:extLst>
               <a:ext uri="{FF2B5EF4-FFF2-40B4-BE49-F238E27FC236}">
-                <a16:creationId xmlns="" xmlns:a16="http://schemas.microsoft.com/office/drawing/2014/main" id="{C64317CD-553E-26D6-089C-DF85A99486BE}"/>
+                <a16:creationId xmlns:a16="http://schemas.microsoft.com/office/drawing/2014/main" id="{C64317CD-553E-26D6-089C-DF85A99486BE}"/>
               </a:ext>
             </a:extLst>
           </p:cNvPr>
@@ -2918,7 +2919,7 @@
           <a:p>
             <a:fld id="{BCA828C2-A956-764F-8682-3E0C1493743B}" type="datetimeFigureOut">
               <a:rPr kumimoji="1" lang="zh-CN" altLang="en-US" smtClean="0"/>
-              <a:t>2024/1/8</a:t>
+              <a:t>2024/1/9</a:t>
             </a:fld>
             <a:endParaRPr kumimoji="1" lang="zh-CN" altLang="en-US"/>
           </a:p>
@@ -2929,7 +2930,7 @@
           <p:cNvPr id="6" name="页脚占位符 5">
             <a:extLst>
               <a:ext uri="{FF2B5EF4-FFF2-40B4-BE49-F238E27FC236}">
-                <a16:creationId xmlns="" xmlns:a16="http://schemas.microsoft.com/office/drawing/2014/main" id="{81D39EDF-609D-591B-614A-ED89C067A3EC}"/>
+                <a16:creationId xmlns:a16="http://schemas.microsoft.com/office/drawing/2014/main" id="{81D39EDF-609D-591B-614A-ED89C067A3EC}"/>
               </a:ext>
             </a:extLst>
           </p:cNvPr>
@@ -2954,7 +2955,7 @@
           <p:cNvPr id="7" name="灯片编号占位符 6">
             <a:extLst>
               <a:ext uri="{FF2B5EF4-FFF2-40B4-BE49-F238E27FC236}">
-                <a16:creationId xmlns="" xmlns:a16="http://schemas.microsoft.com/office/drawing/2014/main" id="{924221B2-B0AC-C097-CCFB-94FBBF920AA5}"/>
+                <a16:creationId xmlns:a16="http://schemas.microsoft.com/office/drawing/2014/main" id="{924221B2-B0AC-C097-CCFB-94FBBF920AA5}"/>
               </a:ext>
             </a:extLst>
           </p:cNvPr>
@@ -3013,7 +3014,7 @@
           <p:cNvPr id="2" name="标题 1">
             <a:extLst>
               <a:ext uri="{FF2B5EF4-FFF2-40B4-BE49-F238E27FC236}">
-                <a16:creationId xmlns="" xmlns:a16="http://schemas.microsoft.com/office/drawing/2014/main" id="{2088CFE8-4F89-6A49-33F7-B4687B8E7AA6}"/>
+                <a16:creationId xmlns:a16="http://schemas.microsoft.com/office/drawing/2014/main" id="{2088CFE8-4F89-6A49-33F7-B4687B8E7AA6}"/>
               </a:ext>
             </a:extLst>
           </p:cNvPr>
@@ -3050,7 +3051,7 @@
           <p:cNvPr id="3" name="图片占位符 2">
             <a:extLst>
               <a:ext uri="{FF2B5EF4-FFF2-40B4-BE49-F238E27FC236}">
-                <a16:creationId xmlns="" xmlns:a16="http://schemas.microsoft.com/office/drawing/2014/main" id="{E67416B1-C395-4484-1698-3E7E3711053F}"/>
+                <a16:creationId xmlns:a16="http://schemas.microsoft.com/office/drawing/2014/main" id="{E67416B1-C395-4484-1698-3E7E3711053F}"/>
               </a:ext>
             </a:extLst>
           </p:cNvPr>
@@ -3117,7 +3118,7 @@
           <p:cNvPr id="4" name="文本占位符 3">
             <a:extLst>
               <a:ext uri="{FF2B5EF4-FFF2-40B4-BE49-F238E27FC236}">
-                <a16:creationId xmlns="" xmlns:a16="http://schemas.microsoft.com/office/drawing/2014/main" id="{7ABE5BF7-B322-D9D4-A51B-D109CE646490}"/>
+                <a16:creationId xmlns:a16="http://schemas.microsoft.com/office/drawing/2014/main" id="{7ABE5BF7-B322-D9D4-A51B-D109CE646490}"/>
               </a:ext>
             </a:extLst>
           </p:cNvPr>
@@ -3188,7 +3189,7 @@
           <p:cNvPr id="5" name="日期占位符 4">
             <a:extLst>
               <a:ext uri="{FF2B5EF4-FFF2-40B4-BE49-F238E27FC236}">
-                <a16:creationId xmlns="" xmlns:a16="http://schemas.microsoft.com/office/drawing/2014/main" id="{C9B1D1EE-2160-04D3-44E4-68342087A0A1}"/>
+                <a16:creationId xmlns:a16="http://schemas.microsoft.com/office/drawing/2014/main" id="{C9B1D1EE-2160-04D3-44E4-68342087A0A1}"/>
               </a:ext>
             </a:extLst>
           </p:cNvPr>
@@ -3206,7 +3207,7 @@
           <a:p>
             <a:fld id="{BCA828C2-A956-764F-8682-3E0C1493743B}" type="datetimeFigureOut">
               <a:rPr kumimoji="1" lang="zh-CN" altLang="en-US" smtClean="0"/>
-              <a:t>2024/1/8</a:t>
+              <a:t>2024/1/9</a:t>
             </a:fld>
             <a:endParaRPr kumimoji="1" lang="zh-CN" altLang="en-US"/>
           </a:p>
@@ -3217,7 +3218,7 @@
           <p:cNvPr id="6" name="页脚占位符 5">
             <a:extLst>
               <a:ext uri="{FF2B5EF4-FFF2-40B4-BE49-F238E27FC236}">
-                <a16:creationId xmlns="" xmlns:a16="http://schemas.microsoft.com/office/drawing/2014/main" id="{5285B660-F32E-5FB0-2088-998631990487}"/>
+                <a16:creationId xmlns:a16="http://schemas.microsoft.com/office/drawing/2014/main" id="{5285B660-F32E-5FB0-2088-998631990487}"/>
               </a:ext>
             </a:extLst>
           </p:cNvPr>
@@ -3242,7 +3243,7 @@
           <p:cNvPr id="7" name="灯片编号占位符 6">
             <a:extLst>
               <a:ext uri="{FF2B5EF4-FFF2-40B4-BE49-F238E27FC236}">
-                <a16:creationId xmlns="" xmlns:a16="http://schemas.microsoft.com/office/drawing/2014/main" id="{2710E8A0-E29E-0D9C-415A-1D02AC570BDE}"/>
+                <a16:creationId xmlns:a16="http://schemas.microsoft.com/office/drawing/2014/main" id="{2710E8A0-E29E-0D9C-415A-1D02AC570BDE}"/>
               </a:ext>
             </a:extLst>
           </p:cNvPr>
@@ -3306,7 +3307,7 @@
           <p:cNvPr id="2" name="标题占位符 1">
             <a:extLst>
               <a:ext uri="{FF2B5EF4-FFF2-40B4-BE49-F238E27FC236}">
-                <a16:creationId xmlns="" xmlns:a16="http://schemas.microsoft.com/office/drawing/2014/main" id="{8775BBC8-D50F-E6AB-D78F-1131EA623F91}"/>
+                <a16:creationId xmlns:a16="http://schemas.microsoft.com/office/drawing/2014/main" id="{8775BBC8-D50F-E6AB-D78F-1131EA623F91}"/>
               </a:ext>
             </a:extLst>
           </p:cNvPr>
@@ -3344,7 +3345,7 @@
           <p:cNvPr id="3" name="文本占位符 2">
             <a:extLst>
               <a:ext uri="{FF2B5EF4-FFF2-40B4-BE49-F238E27FC236}">
-                <a16:creationId xmlns="" xmlns:a16="http://schemas.microsoft.com/office/drawing/2014/main" id="{663BA847-9C1B-43DE-6D97-7CD93A9BEF77}"/>
+                <a16:creationId xmlns:a16="http://schemas.microsoft.com/office/drawing/2014/main" id="{663BA847-9C1B-43DE-6D97-7CD93A9BEF77}"/>
               </a:ext>
             </a:extLst>
           </p:cNvPr>
@@ -3411,7 +3412,7 @@
           <p:cNvPr id="4" name="日期占位符 3">
             <a:extLst>
               <a:ext uri="{FF2B5EF4-FFF2-40B4-BE49-F238E27FC236}">
-                <a16:creationId xmlns="" xmlns:a16="http://schemas.microsoft.com/office/drawing/2014/main" id="{EA305EC8-A225-5C60-22A4-586DF23CAD2E}"/>
+                <a16:creationId xmlns:a16="http://schemas.microsoft.com/office/drawing/2014/main" id="{EA305EC8-A225-5C60-22A4-586DF23CAD2E}"/>
               </a:ext>
             </a:extLst>
           </p:cNvPr>
@@ -3447,7 +3448,7 @@
           <a:p>
             <a:fld id="{BCA828C2-A956-764F-8682-3E0C1493743B}" type="datetimeFigureOut">
               <a:rPr kumimoji="1" lang="zh-CN" altLang="en-US" smtClean="0"/>
-              <a:t>2024/1/8</a:t>
+              <a:t>2024/1/9</a:t>
             </a:fld>
             <a:endParaRPr kumimoji="1" lang="zh-CN" altLang="en-US"/>
           </a:p>
@@ -3458,7 +3459,7 @@
           <p:cNvPr id="5" name="页脚占位符 4">
             <a:extLst>
               <a:ext uri="{FF2B5EF4-FFF2-40B4-BE49-F238E27FC236}">
-                <a16:creationId xmlns="" xmlns:a16="http://schemas.microsoft.com/office/drawing/2014/main" id="{D3D96C39-4F84-4E81-09D6-4D98A344725F}"/>
+                <a16:creationId xmlns:a16="http://schemas.microsoft.com/office/drawing/2014/main" id="{D3D96C39-4F84-4E81-09D6-4D98A344725F}"/>
               </a:ext>
             </a:extLst>
           </p:cNvPr>
@@ -3501,7 +3502,7 @@
           <p:cNvPr id="6" name="灯片编号占位符 5">
             <a:extLst>
               <a:ext uri="{FF2B5EF4-FFF2-40B4-BE49-F238E27FC236}">
-                <a16:creationId xmlns="" xmlns:a16="http://schemas.microsoft.com/office/drawing/2014/main" id="{C37918DD-1F67-ADF1-AEDE-1557776D1704}"/>
+                <a16:creationId xmlns:a16="http://schemas.microsoft.com/office/drawing/2014/main" id="{C37918DD-1F67-ADF1-AEDE-1557776D1704}"/>
               </a:ext>
             </a:extLst>
           </p:cNvPr>
@@ -4228,7 +4229,7 @@
           <p:cNvPr id="2" name="TextBox 1">
             <a:extLst>
               <a:ext uri="{FF2B5EF4-FFF2-40B4-BE49-F238E27FC236}">
-                <a16:creationId xmlns="" xmlns:a16="http://schemas.microsoft.com/office/drawing/2014/main" id="{FAF03E5A-216F-9072-60FE-39824069593C}"/>
+                <a16:creationId xmlns:a16="http://schemas.microsoft.com/office/drawing/2014/main" id="{FAF03E5A-216F-9072-60FE-39824069593C}"/>
               </a:ext>
             </a:extLst>
           </p:cNvPr>
@@ -4276,7 +4277,7 @@
           <p:cNvPr id="3" name="TextBox 2">
             <a:extLst>
               <a:ext uri="{FF2B5EF4-FFF2-40B4-BE49-F238E27FC236}">
-                <a16:creationId xmlns="" xmlns:a16="http://schemas.microsoft.com/office/drawing/2014/main" id="{087F28AA-BAB3-B140-B889-26983A9A2ED6}"/>
+                <a16:creationId xmlns:a16="http://schemas.microsoft.com/office/drawing/2014/main" id="{087F28AA-BAB3-B140-B889-26983A9A2ED6}"/>
               </a:ext>
             </a:extLst>
           </p:cNvPr>
@@ -4940,7 +4941,7 @@
           <p:cNvPr id="18" name="组合 17">
             <a:extLst>
               <a:ext uri="{FF2B5EF4-FFF2-40B4-BE49-F238E27FC236}">
-                <a16:creationId xmlns="" xmlns:a16="http://schemas.microsoft.com/office/drawing/2014/main" id="{EC0E4821-6B7A-AB01-F61C-2B142E07C3D1}"/>
+                <a16:creationId xmlns:a16="http://schemas.microsoft.com/office/drawing/2014/main" id="{EC0E4821-6B7A-AB01-F61C-2B142E07C3D1}"/>
               </a:ext>
             </a:extLst>
           </p:cNvPr>
@@ -6929,7 +6930,7 @@
           <p:cNvPr id="2" name="组合 1">
             <a:extLst>
               <a:ext uri="{FF2B5EF4-FFF2-40B4-BE49-F238E27FC236}">
-                <a16:creationId xmlns="" xmlns:a16="http://schemas.microsoft.com/office/drawing/2014/main" id="{5B5C80C1-760E-63E5-160E-7C0BF7D4C425}"/>
+                <a16:creationId xmlns:a16="http://schemas.microsoft.com/office/drawing/2014/main" id="{5B5C80C1-760E-63E5-160E-7C0BF7D4C425}"/>
               </a:ext>
             </a:extLst>
           </p:cNvPr>
@@ -6949,7 +6950,7 @@
             <p:cNvPr id="6" name="组合 5">
               <a:extLst>
                 <a:ext uri="{FF2B5EF4-FFF2-40B4-BE49-F238E27FC236}">
-                  <a16:creationId xmlns="" xmlns:a16="http://schemas.microsoft.com/office/drawing/2014/main" id="{1A1A9FB5-F71D-B636-AF4E-FC5D8CC63887}"/>
+                  <a16:creationId xmlns:a16="http://schemas.microsoft.com/office/drawing/2014/main" id="{1A1A9FB5-F71D-B636-AF4E-FC5D8CC63887}"/>
                 </a:ext>
               </a:extLst>
             </p:cNvPr>
@@ -6969,7 +6970,7 @@
               <p:cNvPr id="8" name="等腰三角形 13">
                 <a:extLst>
                   <a:ext uri="{FF2B5EF4-FFF2-40B4-BE49-F238E27FC236}">
-                    <a16:creationId xmlns="" xmlns:a16="http://schemas.microsoft.com/office/drawing/2014/main" id="{62638072-8269-8A27-CD1F-F9036BFA333E}"/>
+                    <a16:creationId xmlns:a16="http://schemas.microsoft.com/office/drawing/2014/main" id="{62638072-8269-8A27-CD1F-F9036BFA333E}"/>
                   </a:ext>
                 </a:extLst>
               </p:cNvPr>
@@ -7021,7 +7022,7 @@
               <p:cNvPr id="17" name="等腰三角形 14">
                 <a:extLst>
                   <a:ext uri="{FF2B5EF4-FFF2-40B4-BE49-F238E27FC236}">
-                    <a16:creationId xmlns="" xmlns:a16="http://schemas.microsoft.com/office/drawing/2014/main" id="{5B7EDFCB-4F0D-C53F-134F-3BDEAD278F3C}"/>
+                    <a16:creationId xmlns:a16="http://schemas.microsoft.com/office/drawing/2014/main" id="{5B7EDFCB-4F0D-C53F-134F-3BDEAD278F3C}"/>
                   </a:ext>
                 </a:extLst>
               </p:cNvPr>
@@ -7074,7 +7075,7 @@
             <p:cNvPr id="7" name="文本框 6">
               <a:extLst>
                 <a:ext uri="{FF2B5EF4-FFF2-40B4-BE49-F238E27FC236}">
-                  <a16:creationId xmlns="" xmlns:a16="http://schemas.microsoft.com/office/drawing/2014/main" id="{3CA840CA-871B-1E36-2BCF-5F03C42783BB}"/>
+                  <a16:creationId xmlns:a16="http://schemas.microsoft.com/office/drawing/2014/main" id="{3CA840CA-871B-1E36-2BCF-5F03C42783BB}"/>
                 </a:ext>
               </a:extLst>
             </p:cNvPr>
@@ -7315,7 +7316,7 @@
           <p:cNvPr id="17" name="组合 16">
             <a:extLst>
               <a:ext uri="{FF2B5EF4-FFF2-40B4-BE49-F238E27FC236}">
-                <a16:creationId xmlns="" xmlns:a16="http://schemas.microsoft.com/office/drawing/2014/main" id="{5D6D6F9E-4931-D660-2AA6-B7BA8FD35727}"/>
+                <a16:creationId xmlns:a16="http://schemas.microsoft.com/office/drawing/2014/main" id="{5D6D6F9E-4931-D660-2AA6-B7BA8FD35727}"/>
               </a:ext>
             </a:extLst>
           </p:cNvPr>
@@ -7610,7 +7611,7 @@
           <p:cNvPr id="13" name="组合 12">
             <a:extLst>
               <a:ext uri="{FF2B5EF4-FFF2-40B4-BE49-F238E27FC236}">
-                <a16:creationId xmlns="" xmlns:a16="http://schemas.microsoft.com/office/drawing/2014/main" id="{B78C6E0C-747F-0CBD-2990-83FDB28FC5BE}"/>
+                <a16:creationId xmlns:a16="http://schemas.microsoft.com/office/drawing/2014/main" id="{B78C6E0C-747F-0CBD-2990-83FDB28FC5BE}"/>
               </a:ext>
             </a:extLst>
           </p:cNvPr>
@@ -7905,7 +7906,7 @@
           <p:cNvPr id="2" name="组合 1">
             <a:extLst>
               <a:ext uri="{FF2B5EF4-FFF2-40B4-BE49-F238E27FC236}">
-                <a16:creationId xmlns="" xmlns:a16="http://schemas.microsoft.com/office/drawing/2014/main" id="{12FE86E2-E249-01BE-2F95-D6DB3A76D98C}"/>
+                <a16:creationId xmlns:a16="http://schemas.microsoft.com/office/drawing/2014/main" id="{12FE86E2-E249-01BE-2F95-D6DB3A76D98C}"/>
               </a:ext>
             </a:extLst>
           </p:cNvPr>
@@ -7925,7 +7926,7 @@
             <p:cNvPr id="9" name="组合 8">
               <a:extLst>
                 <a:ext uri="{FF2B5EF4-FFF2-40B4-BE49-F238E27FC236}">
-                  <a16:creationId xmlns="" xmlns:a16="http://schemas.microsoft.com/office/drawing/2014/main" id="{1A324093-52D0-A696-91CD-4406F328B814}"/>
+                  <a16:creationId xmlns:a16="http://schemas.microsoft.com/office/drawing/2014/main" id="{1A324093-52D0-A696-91CD-4406F328B814}"/>
                 </a:ext>
               </a:extLst>
             </p:cNvPr>
@@ -7945,7 +7946,7 @@
               <p:cNvPr id="11" name="等腰三角形 13">
                 <a:extLst>
                   <a:ext uri="{FF2B5EF4-FFF2-40B4-BE49-F238E27FC236}">
-                    <a16:creationId xmlns="" xmlns:a16="http://schemas.microsoft.com/office/drawing/2014/main" id="{DE8635BC-2000-4330-D6A3-21CE21EB5DF1}"/>
+                    <a16:creationId xmlns:a16="http://schemas.microsoft.com/office/drawing/2014/main" id="{DE8635BC-2000-4330-D6A3-21CE21EB5DF1}"/>
                   </a:ext>
                 </a:extLst>
               </p:cNvPr>
@@ -7997,7 +7998,7 @@
               <p:cNvPr id="12" name="等腰三角形 14">
                 <a:extLst>
                   <a:ext uri="{FF2B5EF4-FFF2-40B4-BE49-F238E27FC236}">
-                    <a16:creationId xmlns="" xmlns:a16="http://schemas.microsoft.com/office/drawing/2014/main" id="{FE8301AA-3657-38E7-884E-39B840B16311}"/>
+                    <a16:creationId xmlns:a16="http://schemas.microsoft.com/office/drawing/2014/main" id="{FE8301AA-3657-38E7-884E-39B840B16311}"/>
                   </a:ext>
                 </a:extLst>
               </p:cNvPr>
@@ -8050,7 +8051,7 @@
             <p:cNvPr id="10" name="文本框 9">
               <a:extLst>
                 <a:ext uri="{FF2B5EF4-FFF2-40B4-BE49-F238E27FC236}">
-                  <a16:creationId xmlns="" xmlns:a16="http://schemas.microsoft.com/office/drawing/2014/main" id="{1860FF5E-D051-55B5-662D-EF3D3384A0C6}"/>
+                  <a16:creationId xmlns:a16="http://schemas.microsoft.com/office/drawing/2014/main" id="{1860FF5E-D051-55B5-662D-EF3D3384A0C6}"/>
                 </a:ext>
               </a:extLst>
             </p:cNvPr>
@@ -8101,7 +8102,7 @@
           <p:cNvPr id="14" name="图片 13">
             <a:extLst>
               <a:ext uri="{FF2B5EF4-FFF2-40B4-BE49-F238E27FC236}">
-                <a16:creationId xmlns="" xmlns:a16="http://schemas.microsoft.com/office/drawing/2014/main" id="{C0123F1F-8A16-0FA8-28CA-BE8BB09FADC5}"/>
+                <a16:creationId xmlns:a16="http://schemas.microsoft.com/office/drawing/2014/main" id="{C0123F1F-8A16-0FA8-28CA-BE8BB09FADC5}"/>
               </a:ext>
             </a:extLst>
           </p:cNvPr>
@@ -8131,7 +8132,7 @@
           <p:cNvPr id="15" name="上箭头 14">
             <a:extLst>
               <a:ext uri="{FF2B5EF4-FFF2-40B4-BE49-F238E27FC236}">
-                <a16:creationId xmlns="" xmlns:a16="http://schemas.microsoft.com/office/drawing/2014/main" id="{CD77DE7C-F39D-4217-C2DC-48B2D5F0C58D}"/>
+                <a16:creationId xmlns:a16="http://schemas.microsoft.com/office/drawing/2014/main" id="{CD77DE7C-F39D-4217-C2DC-48B2D5F0C58D}"/>
               </a:ext>
             </a:extLst>
           </p:cNvPr>
@@ -8222,7 +8223,7 @@
           <p:cNvPr id="4" name="组合 3">
             <a:extLst>
               <a:ext uri="{FF2B5EF4-FFF2-40B4-BE49-F238E27FC236}">
-                <a16:creationId xmlns="" xmlns:a16="http://schemas.microsoft.com/office/drawing/2014/main" id="{AB80229A-F935-1A32-A970-AC35BD49F624}"/>
+                <a16:creationId xmlns:a16="http://schemas.microsoft.com/office/drawing/2014/main" id="{AB80229A-F935-1A32-A970-AC35BD49F624}"/>
               </a:ext>
             </a:extLst>
           </p:cNvPr>
@@ -8242,7 +8243,7 @@
             <p:cNvPr id="5" name="组合 4">
               <a:extLst>
                 <a:ext uri="{FF2B5EF4-FFF2-40B4-BE49-F238E27FC236}">
-                  <a16:creationId xmlns="" xmlns:a16="http://schemas.microsoft.com/office/drawing/2014/main" id="{64BDB509-0228-B224-BCCB-0652F1C0D37B}"/>
+                  <a16:creationId xmlns:a16="http://schemas.microsoft.com/office/drawing/2014/main" id="{64BDB509-0228-B224-BCCB-0652F1C0D37B}"/>
                 </a:ext>
               </a:extLst>
             </p:cNvPr>
@@ -8262,7 +8263,7 @@
               <p:cNvPr id="7" name="等腰三角形 13">
                 <a:extLst>
                   <a:ext uri="{FF2B5EF4-FFF2-40B4-BE49-F238E27FC236}">
-                    <a16:creationId xmlns="" xmlns:a16="http://schemas.microsoft.com/office/drawing/2014/main" id="{74ED7C66-0739-7ECF-79FC-0175E7A80F52}"/>
+                    <a16:creationId xmlns:a16="http://schemas.microsoft.com/office/drawing/2014/main" id="{74ED7C66-0739-7ECF-79FC-0175E7A80F52}"/>
                   </a:ext>
                 </a:extLst>
               </p:cNvPr>
@@ -8314,7 +8315,7 @@
               <p:cNvPr id="8" name="等腰三角形 14">
                 <a:extLst>
                   <a:ext uri="{FF2B5EF4-FFF2-40B4-BE49-F238E27FC236}">
-                    <a16:creationId xmlns="" xmlns:a16="http://schemas.microsoft.com/office/drawing/2014/main" id="{E9DA9A3A-B6B1-C5F6-CB88-1264B0D8BB6A}"/>
+                    <a16:creationId xmlns:a16="http://schemas.microsoft.com/office/drawing/2014/main" id="{E9DA9A3A-B6B1-C5F6-CB88-1264B0D8BB6A}"/>
                   </a:ext>
                 </a:extLst>
               </p:cNvPr>
@@ -8367,7 +8368,7 @@
             <p:cNvPr id="6" name="文本框 5">
               <a:extLst>
                 <a:ext uri="{FF2B5EF4-FFF2-40B4-BE49-F238E27FC236}">
-                  <a16:creationId xmlns="" xmlns:a16="http://schemas.microsoft.com/office/drawing/2014/main" id="{9E5D78EC-79BE-A9DB-D427-3298B10F92BC}"/>
+                  <a16:creationId xmlns:a16="http://schemas.microsoft.com/office/drawing/2014/main" id="{9E5D78EC-79BE-A9DB-D427-3298B10F92BC}"/>
                 </a:ext>
               </a:extLst>
             </p:cNvPr>
@@ -8418,7 +8419,7 @@
           <p:cNvPr id="9" name="表格 8">
             <a:extLst>
               <a:ext uri="{FF2B5EF4-FFF2-40B4-BE49-F238E27FC236}">
-                <a16:creationId xmlns="" xmlns:a16="http://schemas.microsoft.com/office/drawing/2014/main" id="{6C3680FE-3FF8-CD7B-A380-DFB2EF6CA0C0}"/>
+                <a16:creationId xmlns:a16="http://schemas.microsoft.com/office/drawing/2014/main" id="{6C3680FE-3FF8-CD7B-A380-DFB2EF6CA0C0}"/>
               </a:ext>
             </a:extLst>
           </p:cNvPr>
@@ -8447,14 +8448,14 @@
                 <a:gridCol w="3197561">
                   <a:extLst>
                     <a:ext uri="{9D8B030D-6E8A-4147-A177-3AD203B41FA5}">
-                      <a16:colId xmlns="" xmlns:a16="http://schemas.microsoft.com/office/drawing/2014/main" val="1346448771"/>
+                      <a16:colId xmlns:a16="http://schemas.microsoft.com/office/drawing/2014/main" val="1346448771"/>
                     </a:ext>
                   </a:extLst>
                 </a:gridCol>
                 <a:gridCol w="3197561">
                   <a:extLst>
                     <a:ext uri="{9D8B030D-6E8A-4147-A177-3AD203B41FA5}">
-                      <a16:colId xmlns="" xmlns:a16="http://schemas.microsoft.com/office/drawing/2014/main" val="3949387785"/>
+                      <a16:colId xmlns:a16="http://schemas.microsoft.com/office/drawing/2014/main" val="3949387785"/>
                     </a:ext>
                   </a:extLst>
                 </a:gridCol>
@@ -8612,7 +8613,7 @@
                 </a:tc>
                 <a:extLst>
                   <a:ext uri="{0D108BD9-81ED-4DB2-BD59-A6C34878D82A}">
-                    <a16:rowId xmlns="" xmlns:a16="http://schemas.microsoft.com/office/drawing/2014/main" val="1567774719"/>
+                    <a16:rowId xmlns:a16="http://schemas.microsoft.com/office/drawing/2014/main" val="1567774719"/>
                   </a:ext>
                 </a:extLst>
               </a:tr>
@@ -8761,7 +8762,7 @@
                 </a:tc>
                 <a:extLst>
                   <a:ext uri="{0D108BD9-81ED-4DB2-BD59-A6C34878D82A}">
-                    <a16:rowId xmlns="" xmlns:a16="http://schemas.microsoft.com/office/drawing/2014/main" val="449156183"/>
+                    <a16:rowId xmlns:a16="http://schemas.microsoft.com/office/drawing/2014/main" val="449156183"/>
                   </a:ext>
                 </a:extLst>
               </a:tr>
@@ -8910,7 +8911,7 @@
                 </a:tc>
                 <a:extLst>
                   <a:ext uri="{0D108BD9-81ED-4DB2-BD59-A6C34878D82A}">
-                    <a16:rowId xmlns="" xmlns:a16="http://schemas.microsoft.com/office/drawing/2014/main" val="2409283199"/>
+                    <a16:rowId xmlns:a16="http://schemas.microsoft.com/office/drawing/2014/main" val="2409283199"/>
                   </a:ext>
                 </a:extLst>
               </a:tr>
@@ -9055,7 +9056,7 @@
                 </a:tc>
                 <a:extLst>
                   <a:ext uri="{0D108BD9-81ED-4DB2-BD59-A6C34878D82A}">
-                    <a16:rowId xmlns="" xmlns:a16="http://schemas.microsoft.com/office/drawing/2014/main" val="1299494693"/>
+                    <a16:rowId xmlns:a16="http://schemas.microsoft.com/office/drawing/2014/main" val="1299494693"/>
                   </a:ext>
                 </a:extLst>
               </a:tr>
@@ -9068,7 +9069,7 @@
           <p:cNvPr id="10" name="任意多边形: 形状 3">
             <a:extLst>
               <a:ext uri="{FF2B5EF4-FFF2-40B4-BE49-F238E27FC236}">
-                <a16:creationId xmlns="" xmlns:a16="http://schemas.microsoft.com/office/drawing/2014/main" id="{705002FB-30B8-0E12-C37F-DB09094872B2}"/>
+                <a16:creationId xmlns:a16="http://schemas.microsoft.com/office/drawing/2014/main" id="{705002FB-30B8-0E12-C37F-DB09094872B2}"/>
               </a:ext>
             </a:extLst>
           </p:cNvPr>
@@ -9400,7 +9401,7 @@
           <p:cNvPr id="2" name="组合 1">
             <a:extLst>
               <a:ext uri="{FF2B5EF4-FFF2-40B4-BE49-F238E27FC236}">
-                <a16:creationId xmlns="" xmlns:a16="http://schemas.microsoft.com/office/drawing/2014/main" id="{AFFEC8A1-C1E7-65EF-1F50-64BAE20852DD}"/>
+                <a16:creationId xmlns:a16="http://schemas.microsoft.com/office/drawing/2014/main" id="{AFFEC8A1-C1E7-65EF-1F50-64BAE20852DD}"/>
               </a:ext>
             </a:extLst>
           </p:cNvPr>
@@ -9573,7 +9574,7 @@
           <p:cNvPr id="10" name="组合 9">
             <a:extLst>
               <a:ext uri="{FF2B5EF4-FFF2-40B4-BE49-F238E27FC236}">
-                <a16:creationId xmlns="" xmlns:a16="http://schemas.microsoft.com/office/drawing/2014/main" id="{4621A689-49AB-F341-6229-BD8B00D2B209}"/>
+                <a16:creationId xmlns:a16="http://schemas.microsoft.com/office/drawing/2014/main" id="{4621A689-49AB-F341-6229-BD8B00D2B209}"/>
               </a:ext>
             </a:extLst>
           </p:cNvPr>
@@ -10399,7 +10400,7 @@
           <p:cNvPr id="9" name="组合 8">
             <a:extLst>
               <a:ext uri="{FF2B5EF4-FFF2-40B4-BE49-F238E27FC236}">
-                <a16:creationId xmlns="" xmlns:a16="http://schemas.microsoft.com/office/drawing/2014/main" id="{3848FF0F-BEC4-900D-9A38-29E1D15C8F87}"/>
+                <a16:creationId xmlns:a16="http://schemas.microsoft.com/office/drawing/2014/main" id="{3848FF0F-BEC4-900D-9A38-29E1D15C8F87}"/>
               </a:ext>
             </a:extLst>
           </p:cNvPr>
@@ -11250,7 +11251,7 @@
           <p:cNvPr id="8" name="文本框 7">
             <a:extLst>
               <a:ext uri="{FF2B5EF4-FFF2-40B4-BE49-F238E27FC236}">
-                <a16:creationId xmlns="" xmlns:a16="http://schemas.microsoft.com/office/drawing/2014/main" id="{57208802-03F0-B55B-C7C1-ED02160189E5}"/>
+                <a16:creationId xmlns:a16="http://schemas.microsoft.com/office/drawing/2014/main" id="{57208802-03F0-B55B-C7C1-ED02160189E5}"/>
               </a:ext>
             </a:extLst>
           </p:cNvPr>
@@ -12268,7 +12269,7 @@
           <p:cNvPr id="18" name="组合 17">
             <a:extLst>
               <a:ext uri="{FF2B5EF4-FFF2-40B4-BE49-F238E27FC236}">
-                <a16:creationId xmlns="" xmlns:a16="http://schemas.microsoft.com/office/drawing/2014/main" id="{EC0E4821-6B7A-AB01-F61C-2B142E07C3D1}"/>
+                <a16:creationId xmlns:a16="http://schemas.microsoft.com/office/drawing/2014/main" id="{EC0E4821-6B7A-AB01-F61C-2B142E07C3D1}"/>
               </a:ext>
             </a:extLst>
           </p:cNvPr>
@@ -14257,7 +14258,7 @@
           <p:cNvPr id="2" name="组合 1">
             <a:extLst>
               <a:ext uri="{FF2B5EF4-FFF2-40B4-BE49-F238E27FC236}">
-                <a16:creationId xmlns="" xmlns:a16="http://schemas.microsoft.com/office/drawing/2014/main" id="{5B5C80C1-760E-63E5-160E-7C0BF7D4C425}"/>
+                <a16:creationId xmlns:a16="http://schemas.microsoft.com/office/drawing/2014/main" id="{5B5C80C1-760E-63E5-160E-7C0BF7D4C425}"/>
               </a:ext>
             </a:extLst>
           </p:cNvPr>
@@ -14277,7 +14278,7 @@
             <p:cNvPr id="6" name="组合 5">
               <a:extLst>
                 <a:ext uri="{FF2B5EF4-FFF2-40B4-BE49-F238E27FC236}">
-                  <a16:creationId xmlns="" xmlns:a16="http://schemas.microsoft.com/office/drawing/2014/main" id="{1A1A9FB5-F71D-B636-AF4E-FC5D8CC63887}"/>
+                  <a16:creationId xmlns:a16="http://schemas.microsoft.com/office/drawing/2014/main" id="{1A1A9FB5-F71D-B636-AF4E-FC5D8CC63887}"/>
                 </a:ext>
               </a:extLst>
             </p:cNvPr>
@@ -14297,7 +14298,7 @@
               <p:cNvPr id="8" name="等腰三角形 13">
                 <a:extLst>
                   <a:ext uri="{FF2B5EF4-FFF2-40B4-BE49-F238E27FC236}">
-                    <a16:creationId xmlns="" xmlns:a16="http://schemas.microsoft.com/office/drawing/2014/main" id="{62638072-8269-8A27-CD1F-F9036BFA333E}"/>
+                    <a16:creationId xmlns:a16="http://schemas.microsoft.com/office/drawing/2014/main" id="{62638072-8269-8A27-CD1F-F9036BFA333E}"/>
                   </a:ext>
                 </a:extLst>
               </p:cNvPr>
@@ -14349,7 +14350,7 @@
               <p:cNvPr id="17" name="等腰三角形 14">
                 <a:extLst>
                   <a:ext uri="{FF2B5EF4-FFF2-40B4-BE49-F238E27FC236}">
-                    <a16:creationId xmlns="" xmlns:a16="http://schemas.microsoft.com/office/drawing/2014/main" id="{5B7EDFCB-4F0D-C53F-134F-3BDEAD278F3C}"/>
+                    <a16:creationId xmlns:a16="http://schemas.microsoft.com/office/drawing/2014/main" id="{5B7EDFCB-4F0D-C53F-134F-3BDEAD278F3C}"/>
                   </a:ext>
                 </a:extLst>
               </p:cNvPr>
@@ -14402,7 +14403,7 @@
             <p:cNvPr id="7" name="文本框 6">
               <a:extLst>
                 <a:ext uri="{FF2B5EF4-FFF2-40B4-BE49-F238E27FC236}">
-                  <a16:creationId xmlns="" xmlns:a16="http://schemas.microsoft.com/office/drawing/2014/main" id="{3CA840CA-871B-1E36-2BCF-5F03C42783BB}"/>
+                  <a16:creationId xmlns:a16="http://schemas.microsoft.com/office/drawing/2014/main" id="{3CA840CA-871B-1E36-2BCF-5F03C42783BB}"/>
                 </a:ext>
               </a:extLst>
             </p:cNvPr>
@@ -14885,7 +14886,7 @@
           <p:cNvPr id="18" name="组合 17">
             <a:extLst>
               <a:ext uri="{FF2B5EF4-FFF2-40B4-BE49-F238E27FC236}">
-                <a16:creationId xmlns="" xmlns:a16="http://schemas.microsoft.com/office/drawing/2014/main" id="{EC0E4821-6B7A-AB01-F61C-2B142E07C3D1}"/>
+                <a16:creationId xmlns:a16="http://schemas.microsoft.com/office/drawing/2014/main" id="{EC0E4821-6B7A-AB01-F61C-2B142E07C3D1}"/>
               </a:ext>
             </a:extLst>
           </p:cNvPr>
@@ -16874,7 +16875,7 @@
           <p:cNvPr id="2" name="组合 1">
             <a:extLst>
               <a:ext uri="{FF2B5EF4-FFF2-40B4-BE49-F238E27FC236}">
-                <a16:creationId xmlns="" xmlns:a16="http://schemas.microsoft.com/office/drawing/2014/main" id="{5B5C80C1-760E-63E5-160E-7C0BF7D4C425}"/>
+                <a16:creationId xmlns:a16="http://schemas.microsoft.com/office/drawing/2014/main" id="{5B5C80C1-760E-63E5-160E-7C0BF7D4C425}"/>
               </a:ext>
             </a:extLst>
           </p:cNvPr>
@@ -16894,7 +16895,7 @@
             <p:cNvPr id="6" name="组合 5">
               <a:extLst>
                 <a:ext uri="{FF2B5EF4-FFF2-40B4-BE49-F238E27FC236}">
-                  <a16:creationId xmlns="" xmlns:a16="http://schemas.microsoft.com/office/drawing/2014/main" id="{1A1A9FB5-F71D-B636-AF4E-FC5D8CC63887}"/>
+                  <a16:creationId xmlns:a16="http://schemas.microsoft.com/office/drawing/2014/main" id="{1A1A9FB5-F71D-B636-AF4E-FC5D8CC63887}"/>
                 </a:ext>
               </a:extLst>
             </p:cNvPr>
@@ -16914,7 +16915,7 @@
               <p:cNvPr id="8" name="等腰三角形 13">
                 <a:extLst>
                   <a:ext uri="{FF2B5EF4-FFF2-40B4-BE49-F238E27FC236}">
-                    <a16:creationId xmlns="" xmlns:a16="http://schemas.microsoft.com/office/drawing/2014/main" id="{62638072-8269-8A27-CD1F-F9036BFA333E}"/>
+                    <a16:creationId xmlns:a16="http://schemas.microsoft.com/office/drawing/2014/main" id="{62638072-8269-8A27-CD1F-F9036BFA333E}"/>
                   </a:ext>
                 </a:extLst>
               </p:cNvPr>
@@ -16966,7 +16967,7 @@
               <p:cNvPr id="17" name="等腰三角形 14">
                 <a:extLst>
                   <a:ext uri="{FF2B5EF4-FFF2-40B4-BE49-F238E27FC236}">
-                    <a16:creationId xmlns="" xmlns:a16="http://schemas.microsoft.com/office/drawing/2014/main" id="{5B7EDFCB-4F0D-C53F-134F-3BDEAD278F3C}"/>
+                    <a16:creationId xmlns:a16="http://schemas.microsoft.com/office/drawing/2014/main" id="{5B7EDFCB-4F0D-C53F-134F-3BDEAD278F3C}"/>
                   </a:ext>
                 </a:extLst>
               </p:cNvPr>
@@ -17019,7 +17020,7 @@
             <p:cNvPr id="7" name="文本框 6">
               <a:extLst>
                 <a:ext uri="{FF2B5EF4-FFF2-40B4-BE49-F238E27FC236}">
-                  <a16:creationId xmlns="" xmlns:a16="http://schemas.microsoft.com/office/drawing/2014/main" id="{3CA840CA-871B-1E36-2BCF-5F03C42783BB}"/>
+                  <a16:creationId xmlns:a16="http://schemas.microsoft.com/office/drawing/2014/main" id="{3CA840CA-871B-1E36-2BCF-5F03C42783BB}"/>
                 </a:ext>
               </a:extLst>
             </p:cNvPr>
@@ -17519,16 +17520,12 @@
               </a:lnSpc>
             </a:pPr>
             <a:r>
-              <a:rPr lang="en-US" altLang="zh-CN" sz="2800" dirty="0" smtClean="0">
+              <a:rPr lang="en-US" altLang="zh-CN" sz="2800" dirty="0">
                 <a:latin typeface="微软雅黑" panose="020B0503020204020204" pitchFamily="34" charset="-122"/>
                 <a:ea typeface="微软雅黑" panose="020B0503020204020204" pitchFamily="34" charset="-122"/>
               </a:rPr>
               <a:t>What do you think are the most important skills for a data scientist / statistician ? </a:t>
             </a:r>
-            <a:endParaRPr lang="en-US" altLang="zh-CN" sz="2800" dirty="0">
-              <a:latin typeface="微软雅黑" panose="020B0503020204020204" pitchFamily="34" charset="-122"/>
-              <a:ea typeface="微软雅黑" panose="020B0503020204020204" pitchFamily="34" charset="-122"/>
-            </a:endParaRPr>
           </a:p>
         </p:txBody>
       </p:sp>
@@ -17537,7 +17534,7 @@
           <p:cNvPr id="2" name="组合 1">
             <a:extLst>
               <a:ext uri="{FF2B5EF4-FFF2-40B4-BE49-F238E27FC236}">
-                <a16:creationId xmlns="" xmlns:a16="http://schemas.microsoft.com/office/drawing/2014/main" id="{5B5C80C1-760E-63E5-160E-7C0BF7D4C425}"/>
+                <a16:creationId xmlns:a16="http://schemas.microsoft.com/office/drawing/2014/main" id="{5B5C80C1-760E-63E5-160E-7C0BF7D4C425}"/>
               </a:ext>
             </a:extLst>
           </p:cNvPr>
@@ -17557,7 +17554,7 @@
             <p:cNvPr id="6" name="组合 5">
               <a:extLst>
                 <a:ext uri="{FF2B5EF4-FFF2-40B4-BE49-F238E27FC236}">
-                  <a16:creationId xmlns="" xmlns:a16="http://schemas.microsoft.com/office/drawing/2014/main" id="{1A1A9FB5-F71D-B636-AF4E-FC5D8CC63887}"/>
+                  <a16:creationId xmlns:a16="http://schemas.microsoft.com/office/drawing/2014/main" id="{1A1A9FB5-F71D-B636-AF4E-FC5D8CC63887}"/>
                 </a:ext>
               </a:extLst>
             </p:cNvPr>
@@ -17577,7 +17574,7 @@
               <p:cNvPr id="8" name="等腰三角形 13">
                 <a:extLst>
                   <a:ext uri="{FF2B5EF4-FFF2-40B4-BE49-F238E27FC236}">
-                    <a16:creationId xmlns="" xmlns:a16="http://schemas.microsoft.com/office/drawing/2014/main" id="{62638072-8269-8A27-CD1F-F9036BFA333E}"/>
+                    <a16:creationId xmlns:a16="http://schemas.microsoft.com/office/drawing/2014/main" id="{62638072-8269-8A27-CD1F-F9036BFA333E}"/>
                   </a:ext>
                 </a:extLst>
               </p:cNvPr>
@@ -17629,7 +17626,7 @@
               <p:cNvPr id="17" name="等腰三角形 14">
                 <a:extLst>
                   <a:ext uri="{FF2B5EF4-FFF2-40B4-BE49-F238E27FC236}">
-                    <a16:creationId xmlns="" xmlns:a16="http://schemas.microsoft.com/office/drawing/2014/main" id="{5B7EDFCB-4F0D-C53F-134F-3BDEAD278F3C}"/>
+                    <a16:creationId xmlns:a16="http://schemas.microsoft.com/office/drawing/2014/main" id="{5B7EDFCB-4F0D-C53F-134F-3BDEAD278F3C}"/>
                   </a:ext>
                 </a:extLst>
               </p:cNvPr>
@@ -17682,7 +17679,7 @@
             <p:cNvPr id="7" name="文本框 6">
               <a:extLst>
                 <a:ext uri="{FF2B5EF4-FFF2-40B4-BE49-F238E27FC236}">
-                  <a16:creationId xmlns="" xmlns:a16="http://schemas.microsoft.com/office/drawing/2014/main" id="{3CA840CA-871B-1E36-2BCF-5F03C42783BB}"/>
+                  <a16:creationId xmlns:a16="http://schemas.microsoft.com/office/drawing/2014/main" id="{3CA840CA-871B-1E36-2BCF-5F03C42783BB}"/>
                 </a:ext>
               </a:extLst>
             </p:cNvPr>
@@ -17706,7 +17703,7 @@
             <a:lstStyle/>
             <a:p>
               <a:r>
-                <a:rPr lang="en-US" altLang="zh-CN" sz="2000" dirty="0" smtClean="0">
+                <a:rPr lang="en-US" altLang="zh-CN" sz="2000" dirty="0">
                   <a:latin typeface="微软雅黑" panose="020B0503020204020204" pitchFamily="34" charset="-122"/>
                   <a:ea typeface="微软雅黑" panose="020B0503020204020204" pitchFamily="34" charset="-122"/>
                 </a:rPr>
@@ -17721,18 +17718,7 @@
                   <a:ea typeface="微软雅黑" panose="020B0503020204020204" pitchFamily="34" charset="-122"/>
                   <a:cs typeface="文泉驿等宽微米黑" panose="020B0606030804020204" pitchFamily="34" charset="-122"/>
                 </a:rPr>
-                <a:t>Question for </a:t>
-              </a:r>
-              <a:r>
-                <a:rPr lang="en-US" altLang="zh-CN" sz="4000" b="1" dirty="0" smtClean="0">
-                  <a:solidFill>
-                    <a:srgbClr val="526188"/>
-                  </a:solidFill>
-                  <a:latin typeface="微软雅黑" panose="020B0503020204020204" pitchFamily="34" charset="-122"/>
-                  <a:ea typeface="微软雅黑" panose="020B0503020204020204" pitchFamily="34" charset="-122"/>
-                  <a:cs typeface="文泉驿等宽微米黑" panose="020B0606030804020204" pitchFamily="34" charset="-122"/>
-                </a:rPr>
-                <a:t>you :  </a:t>
+                <a:t>Question for you :  </a:t>
               </a:r>
               <a:endParaRPr lang="zh-CN" altLang="en-US" sz="4000" b="1" dirty="0">
                 <a:solidFill>
@@ -18121,7 +18107,7 @@
           <p:cNvPr id="2" name="组合 1">
             <a:extLst>
               <a:ext uri="{FF2B5EF4-FFF2-40B4-BE49-F238E27FC236}">
-                <a16:creationId xmlns="" xmlns:a16="http://schemas.microsoft.com/office/drawing/2014/main" id="{5B5C80C1-760E-63E5-160E-7C0BF7D4C425}"/>
+                <a16:creationId xmlns:a16="http://schemas.microsoft.com/office/drawing/2014/main" id="{5B5C80C1-760E-63E5-160E-7C0BF7D4C425}"/>
               </a:ext>
             </a:extLst>
           </p:cNvPr>
@@ -18141,7 +18127,7 @@
             <p:cNvPr id="6" name="组合 5">
               <a:extLst>
                 <a:ext uri="{FF2B5EF4-FFF2-40B4-BE49-F238E27FC236}">
-                  <a16:creationId xmlns="" xmlns:a16="http://schemas.microsoft.com/office/drawing/2014/main" id="{1A1A9FB5-F71D-B636-AF4E-FC5D8CC63887}"/>
+                  <a16:creationId xmlns:a16="http://schemas.microsoft.com/office/drawing/2014/main" id="{1A1A9FB5-F71D-B636-AF4E-FC5D8CC63887}"/>
                 </a:ext>
               </a:extLst>
             </p:cNvPr>
@@ -18161,7 +18147,7 @@
               <p:cNvPr id="8" name="等腰三角形 13">
                 <a:extLst>
                   <a:ext uri="{FF2B5EF4-FFF2-40B4-BE49-F238E27FC236}">
-                    <a16:creationId xmlns="" xmlns:a16="http://schemas.microsoft.com/office/drawing/2014/main" id="{62638072-8269-8A27-CD1F-F9036BFA333E}"/>
+                    <a16:creationId xmlns:a16="http://schemas.microsoft.com/office/drawing/2014/main" id="{62638072-8269-8A27-CD1F-F9036BFA333E}"/>
                   </a:ext>
                 </a:extLst>
               </p:cNvPr>
@@ -18213,7 +18199,7 @@
               <p:cNvPr id="17" name="等腰三角形 14">
                 <a:extLst>
                   <a:ext uri="{FF2B5EF4-FFF2-40B4-BE49-F238E27FC236}">
-                    <a16:creationId xmlns="" xmlns:a16="http://schemas.microsoft.com/office/drawing/2014/main" id="{5B7EDFCB-4F0D-C53F-134F-3BDEAD278F3C}"/>
+                    <a16:creationId xmlns:a16="http://schemas.microsoft.com/office/drawing/2014/main" id="{5B7EDFCB-4F0D-C53F-134F-3BDEAD278F3C}"/>
                   </a:ext>
                 </a:extLst>
               </p:cNvPr>
@@ -18266,7 +18252,7 @@
             <p:cNvPr id="7" name="文本框 6">
               <a:extLst>
                 <a:ext uri="{FF2B5EF4-FFF2-40B4-BE49-F238E27FC236}">
-                  <a16:creationId xmlns="" xmlns:a16="http://schemas.microsoft.com/office/drawing/2014/main" id="{3CA840CA-871B-1E36-2BCF-5F03C42783BB}"/>
+                  <a16:creationId xmlns:a16="http://schemas.microsoft.com/office/drawing/2014/main" id="{3CA840CA-871B-1E36-2BCF-5F03C42783BB}"/>
                 </a:ext>
               </a:extLst>
             </p:cNvPr>
@@ -18356,7 +18342,7 @@
       </p:grpSpPr>
       <p:sp>
         <p:nvSpPr>
-          <p:cNvPr id="4" name="任意多边形: 形状 3"/>
+          <p:cNvPr id="5" name="任意多边形: 形状 4"/>
           <p:cNvSpPr/>
           <p:nvPr/>
         </p:nvSpPr>
@@ -18504,239 +18490,231 @@
       </p:sp>
       <p:grpSp>
         <p:nvGrpSpPr>
-          <p:cNvPr id="2" name="组合 1">
-            <a:extLst>
-              <a:ext uri="{FF2B5EF4-FFF2-40B4-BE49-F238E27FC236}">
-                <a16:creationId xmlns="" xmlns:a16="http://schemas.microsoft.com/office/drawing/2014/main" id="{5B5C80C1-760E-63E5-160E-7C0BF7D4C425}"/>
-              </a:ext>
-            </a:extLst>
-          </p:cNvPr>
+          <p:cNvPr id="6" name="组合 5"/>
           <p:cNvGrpSpPr/>
           <p:nvPr/>
         </p:nvGrpSpPr>
         <p:grpSpPr>
           <a:xfrm>
-            <a:off x="346076" y="364699"/>
-            <a:ext cx="9784896" cy="1534405"/>
-            <a:chOff x="346076" y="364699"/>
-            <a:chExt cx="9784896" cy="1534405"/>
+            <a:off x="574686" y="530846"/>
+            <a:ext cx="5376171" cy="5485135"/>
+            <a:chOff x="6698566" y="879190"/>
+            <a:chExt cx="5376171" cy="5485135"/>
           </a:xfrm>
         </p:grpSpPr>
-        <p:grpSp>
-          <p:nvGrpSpPr>
-            <p:cNvPr id="6" name="组合 5">
-              <a:extLst>
-                <a:ext uri="{FF2B5EF4-FFF2-40B4-BE49-F238E27FC236}">
-                  <a16:creationId xmlns="" xmlns:a16="http://schemas.microsoft.com/office/drawing/2014/main" id="{1A1A9FB5-F71D-B636-AF4E-FC5D8CC63887}"/>
-                </a:ext>
-              </a:extLst>
-            </p:cNvPr>
-            <p:cNvGrpSpPr/>
+        <p:pic>
+          <p:nvPicPr>
+            <p:cNvPr id="7" name="图片 6"/>
+            <p:cNvPicPr>
+              <a:picLocks noChangeAspect="1"/>
+            </p:cNvPicPr>
             <p:nvPr/>
-          </p:nvGrpSpPr>
-          <p:grpSpPr>
-            <a:xfrm>
-              <a:off x="346076" y="364699"/>
-              <a:ext cx="377371" cy="507162"/>
-              <a:chOff x="899886" y="361978"/>
-              <a:chExt cx="377371" cy="507162"/>
-            </a:xfrm>
-          </p:grpSpPr>
-          <p:sp>
-            <p:nvSpPr>
-              <p:cNvPr id="8" name="等腰三角形 13">
-                <a:extLst>
-                  <a:ext uri="{FF2B5EF4-FFF2-40B4-BE49-F238E27FC236}">
-                    <a16:creationId xmlns="" xmlns:a16="http://schemas.microsoft.com/office/drawing/2014/main" id="{62638072-8269-8A27-CD1F-F9036BFA333E}"/>
-                  </a:ext>
-                </a:extLst>
-              </p:cNvPr>
-              <p:cNvSpPr/>
-              <p:nvPr/>
-            </p:nvSpPr>
-            <p:spPr>
-              <a:xfrm>
-                <a:off x="899886" y="613178"/>
-                <a:ext cx="377371" cy="255962"/>
-              </a:xfrm>
-              <a:prstGeom prst="triangle">
-                <a:avLst/>
-              </a:prstGeom>
-              <a:solidFill>
-                <a:srgbClr val="526188"/>
-              </a:solidFill>
-              <a:ln>
-                <a:noFill/>
-              </a:ln>
-            </p:spPr>
-            <p:style>
-              <a:lnRef idx="2">
-                <a:schemeClr val="accent1">
-                  <a:shade val="50000"/>
-                </a:schemeClr>
-              </a:lnRef>
-              <a:fillRef idx="1">
-                <a:schemeClr val="accent1"/>
-              </a:fillRef>
-              <a:effectRef idx="0">
-                <a:schemeClr val="accent1"/>
-              </a:effectRef>
-              <a:fontRef idx="minor">
-                <a:schemeClr val="lt1"/>
-              </a:fontRef>
-            </p:style>
-            <p:txBody>
-              <a:bodyPr rtlCol="0" anchor="ctr"/>
-              <a:lstStyle/>
-              <a:p>
-                <a:pPr algn="ctr"/>
-                <a:endParaRPr lang="zh-CN" altLang="en-US"/>
-              </a:p>
-            </p:txBody>
-          </p:sp>
-          <p:sp>
-            <p:nvSpPr>
-              <p:cNvPr id="17" name="等腰三角形 14">
-                <a:extLst>
-                  <a:ext uri="{FF2B5EF4-FFF2-40B4-BE49-F238E27FC236}">
-                    <a16:creationId xmlns="" xmlns:a16="http://schemas.microsoft.com/office/drawing/2014/main" id="{5B7EDFCB-4F0D-C53F-134F-3BDEAD278F3C}"/>
-                  </a:ext>
-                </a:extLst>
-              </p:cNvPr>
-              <p:cNvSpPr/>
-              <p:nvPr/>
-            </p:nvSpPr>
-            <p:spPr>
-              <a:xfrm rot="10800000">
-                <a:off x="899886" y="361978"/>
-                <a:ext cx="377371" cy="255962"/>
-              </a:xfrm>
-              <a:prstGeom prst="triangle">
-                <a:avLst/>
-              </a:prstGeom>
-              <a:solidFill>
-                <a:srgbClr val="E7C7A0"/>
-              </a:solidFill>
-              <a:ln>
-                <a:noFill/>
-              </a:ln>
-            </p:spPr>
-            <p:style>
-              <a:lnRef idx="2">
-                <a:schemeClr val="accent1">
-                  <a:shade val="50000"/>
-                </a:schemeClr>
-              </a:lnRef>
-              <a:fillRef idx="1">
-                <a:schemeClr val="accent1"/>
-              </a:fillRef>
-              <a:effectRef idx="0">
-                <a:schemeClr val="accent1"/>
-              </a:effectRef>
-              <a:fontRef idx="minor">
-                <a:schemeClr val="lt1"/>
-              </a:fontRef>
-            </p:style>
-            <p:txBody>
-              <a:bodyPr rtlCol="0" anchor="ctr"/>
-              <a:lstStyle/>
-              <a:p>
-                <a:pPr algn="ctr"/>
-                <a:endParaRPr lang="zh-CN" altLang="en-US"/>
-              </a:p>
-            </p:txBody>
-          </p:sp>
-        </p:grpSp>
-        <p:sp>
-          <p:nvSpPr>
-            <p:cNvPr id="7" name="文本框 6">
-              <a:extLst>
-                <a:ext uri="{FF2B5EF4-FFF2-40B4-BE49-F238E27FC236}">
-                  <a16:creationId xmlns="" xmlns:a16="http://schemas.microsoft.com/office/drawing/2014/main" id="{3CA840CA-871B-1E36-2BCF-5F03C42783BB}"/>
-                </a:ext>
-              </a:extLst>
-            </p:cNvPr>
-            <p:cNvSpPr txBox="1"/>
-            <p:nvPr/>
-          </p:nvSpPr>
+          </p:nvPicPr>
+          <p:blipFill>
+            <a:blip r:embed="rId2"/>
+            <a:stretch>
+              <a:fillRect/>
+            </a:stretch>
+          </p:blipFill>
           <p:spPr>
             <a:xfrm>
-              <a:off x="2248681" y="791108"/>
-              <a:ext cx="7882291" cy="1107996"/>
+              <a:off x="8811925" y="5470844"/>
+              <a:ext cx="573074" cy="652329"/>
             </a:xfrm>
             <a:prstGeom prst="rect">
               <a:avLst/>
             </a:prstGeom>
-            <a:noFill/>
           </p:spPr>
-          <p:txBody>
-            <a:bodyPr wrap="square" rtlCol="0">
-              <a:spAutoFit/>
-            </a:bodyPr>
-            <a:lstStyle/>
-            <a:p>
-              <a:r>
-                <a:rPr lang="en-US" altLang="zh-CN" sz="6600" b="1" dirty="0">
-                  <a:solidFill>
-                    <a:srgbClr val="526188"/>
-                  </a:solidFill>
-                  <a:latin typeface="微软雅黑" panose="020B0503020204020204" pitchFamily="34" charset="-122"/>
-                  <a:ea typeface="微软雅黑" panose="020B0503020204020204" pitchFamily="34" charset="-122"/>
-                  <a:cs typeface="文泉驿等宽微米黑" panose="020B0606030804020204" pitchFamily="34" charset="-122"/>
-                </a:rPr>
-                <a:t> </a:t>
-              </a:r>
-              <a:r>
-                <a:rPr lang="en-US" altLang="zh-CN" sz="6600" b="1" dirty="0" smtClean="0">
-                  <a:solidFill>
-                    <a:srgbClr val="526188"/>
-                  </a:solidFill>
-                  <a:latin typeface="微软雅黑" panose="020B0503020204020204" pitchFamily="34" charset="-122"/>
-                  <a:ea typeface="微软雅黑" panose="020B0503020204020204" pitchFamily="34" charset="-122"/>
-                  <a:cs typeface="文泉驿等宽微米黑" panose="020B0606030804020204" pitchFamily="34" charset="-122"/>
-                </a:rPr>
-                <a:t> Questions ? </a:t>
-              </a:r>
-              <a:endParaRPr lang="zh-CN" altLang="en-US" sz="6600" b="1" dirty="0">
-                <a:solidFill>
-                  <a:srgbClr val="526188"/>
-                </a:solidFill>
-                <a:latin typeface="微软雅黑" panose="020B0503020204020204" pitchFamily="34" charset="-122"/>
-                <a:ea typeface="微软雅黑" panose="020B0503020204020204" pitchFamily="34" charset="-122"/>
-                <a:cs typeface="文泉驿等宽微米黑" panose="020B0606030804020204" pitchFamily="34" charset="-122"/>
-              </a:endParaRPr>
-            </a:p>
-          </p:txBody>
-        </p:sp>
+        </p:pic>
+        <p:pic>
+          <p:nvPicPr>
+            <p:cNvPr id="8" name="图片 7"/>
+            <p:cNvPicPr>
+              <a:picLocks noChangeAspect="1"/>
+            </p:cNvPicPr>
+            <p:nvPr/>
+          </p:nvPicPr>
+          <p:blipFill>
+            <a:blip r:embed="rId3"/>
+            <a:stretch>
+              <a:fillRect/>
+            </a:stretch>
+          </p:blipFill>
+          <p:spPr>
+            <a:xfrm>
+              <a:off x="7483297" y="4565510"/>
+              <a:ext cx="1438781" cy="1231499"/>
+            </a:xfrm>
+            <a:prstGeom prst="rect">
+              <a:avLst/>
+            </a:prstGeom>
+          </p:spPr>
+        </p:pic>
+        <p:pic>
+          <p:nvPicPr>
+            <p:cNvPr id="9" name="图片 8"/>
+            <p:cNvPicPr>
+              <a:picLocks noChangeAspect="1"/>
+            </p:cNvPicPr>
+            <p:nvPr/>
+          </p:nvPicPr>
+          <p:blipFill>
+            <a:blip r:embed="rId4"/>
+            <a:stretch>
+              <a:fillRect/>
+            </a:stretch>
+          </p:blipFill>
+          <p:spPr>
+            <a:xfrm>
+              <a:off x="6698566" y="879190"/>
+              <a:ext cx="3828620" cy="3298222"/>
+            </a:xfrm>
+            <a:prstGeom prst="rect">
+              <a:avLst/>
+            </a:prstGeom>
+          </p:spPr>
+        </p:pic>
+        <p:pic>
+          <p:nvPicPr>
+            <p:cNvPr id="10" name="图片 9"/>
+            <p:cNvPicPr>
+              <a:picLocks noChangeAspect="1"/>
+            </p:cNvPicPr>
+            <p:nvPr/>
+          </p:nvPicPr>
+          <p:blipFill>
+            <a:blip r:embed="rId5">
+              <a:duotone>
+                <a:prstClr val="black"/>
+                <a:srgbClr val="D9C3A5">
+                  <a:tint val="50000"/>
+                  <a:satMod val="180000"/>
+                </a:srgbClr>
+              </a:duotone>
+            </a:blip>
+            <a:stretch>
+              <a:fillRect/>
+            </a:stretch>
+          </p:blipFill>
+          <p:spPr>
+            <a:xfrm>
+              <a:off x="8574362" y="1163521"/>
+              <a:ext cx="2962913" cy="2091109"/>
+            </a:xfrm>
+            <a:prstGeom prst="rect">
+              <a:avLst/>
+            </a:prstGeom>
+          </p:spPr>
+        </p:pic>
+        <p:pic>
+          <p:nvPicPr>
+            <p:cNvPr id="11" name="图片 10"/>
+            <p:cNvPicPr>
+              <a:picLocks noChangeAspect="1"/>
+            </p:cNvPicPr>
+            <p:nvPr/>
+          </p:nvPicPr>
+          <p:blipFill>
+            <a:blip r:embed="rId6"/>
+            <a:stretch>
+              <a:fillRect/>
+            </a:stretch>
+          </p:blipFill>
+          <p:spPr>
+            <a:xfrm>
+              <a:off x="8520461" y="3297771"/>
+              <a:ext cx="3554276" cy="3066554"/>
+            </a:xfrm>
+            <a:prstGeom prst="rect">
+              <a:avLst/>
+            </a:prstGeom>
+          </p:spPr>
+        </p:pic>
       </p:grpSp>
-      <p:pic>
-        <p:nvPicPr>
-          <p:cNvPr id="3" name="Picture 2"/>
-          <p:cNvPicPr>
-            <a:picLocks noChangeAspect="1"/>
-          </p:cNvPicPr>
+      <p:sp>
+        <p:nvSpPr>
+          <p:cNvPr id="12" name="文本框 11"/>
+          <p:cNvSpPr txBox="1"/>
           <p:nvPr/>
-        </p:nvPicPr>
-        <p:blipFill>
-          <a:blip r:embed="rId2"/>
-          <a:stretch>
-            <a:fillRect/>
-          </a:stretch>
-        </p:blipFill>
+        </p:nvSpPr>
         <p:spPr>
           <a:xfrm>
-            <a:off x="1805895" y="1899104"/>
-            <a:ext cx="7781925" cy="3971925"/>
+            <a:off x="6446886" y="2949427"/>
+            <a:ext cx="4339399" cy="1107996"/>
           </a:xfrm>
           <a:prstGeom prst="rect">
             <a:avLst/>
           </a:prstGeom>
+          <a:noFill/>
+          <a:ln>
+            <a:noFill/>
+          </a:ln>
+          <a:effectLst/>
+          <a:scene3d>
+            <a:camera prst="orthographicFront">
+              <a:rot lat="0" lon="0" rev="0"/>
+            </a:camera>
+            <a:lightRig rig="contrasting" dir="t">
+              <a:rot lat="0" lon="0" rev="7800000"/>
+            </a:lightRig>
+          </a:scene3d>
+          <a:sp3d>
+            <a:bevelT w="139700" h="139700"/>
+          </a:sp3d>
         </p:spPr>
-      </p:pic>
+        <p:txBody>
+          <a:bodyPr wrap="square" rtlCol="0">
+            <a:spAutoFit/>
+          </a:bodyPr>
+          <a:lstStyle/>
+          <a:p>
+            <a:pPr algn="ctr"/>
+            <a:r>
+              <a:rPr lang="en-US" altLang="zh-CN" sz="6600" dirty="0">
+                <a:solidFill>
+                  <a:schemeClr val="tx1">
+                    <a:lumMod val="65000"/>
+                    <a:lumOff val="35000"/>
+                  </a:schemeClr>
+                </a:solidFill>
+                <a:effectLst>
+                  <a:outerShdw blurRad="50800" dist="38100" dir="5400000" algn="t" rotWithShape="0">
+                    <a:prstClr val="black">
+                      <a:alpha val="40000"/>
+                    </a:prstClr>
+                  </a:outerShdw>
+                </a:effectLst>
+                <a:latin typeface="微软雅黑" panose="020B0503020204020204" pitchFamily="34" charset="-122"/>
+                <a:ea typeface="微软雅黑" panose="020B0503020204020204" pitchFamily="34" charset="-122"/>
+                <a:cs typeface="文泉驿等宽微米黑" panose="020B0606030804020204" pitchFamily="34" charset="-122"/>
+              </a:rPr>
+              <a:t>Questions?</a:t>
+            </a:r>
+            <a:endParaRPr lang="zh-CN" altLang="en-US" sz="6600" dirty="0">
+              <a:solidFill>
+                <a:schemeClr val="tx1">
+                  <a:lumMod val="65000"/>
+                  <a:lumOff val="35000"/>
+                </a:schemeClr>
+              </a:solidFill>
+              <a:effectLst>
+                <a:outerShdw blurRad="50800" dist="38100" dir="5400000" algn="t" rotWithShape="0">
+                  <a:prstClr val="black">
+                    <a:alpha val="40000"/>
+                  </a:prstClr>
+                </a:outerShdw>
+              </a:effectLst>
+              <a:latin typeface="微软雅黑" panose="020B0503020204020204" pitchFamily="34" charset="-122"/>
+              <a:ea typeface="微软雅黑" panose="020B0503020204020204" pitchFamily="34" charset="-122"/>
+              <a:cs typeface="文泉驿等宽微米黑" panose="020B0606030804020204" pitchFamily="34" charset="-122"/>
+            </a:endParaRPr>
+          </a:p>
+        </p:txBody>
+      </p:sp>
     </p:spTree>
     <p:extLst>
       <p:ext uri="{BB962C8B-B14F-4D97-AF65-F5344CB8AC3E}">
-        <p14:creationId xmlns:p14="http://schemas.microsoft.com/office/powerpoint/2010/main" val="2083367071"/>
+        <p14:creationId xmlns:p14="http://schemas.microsoft.com/office/powerpoint/2010/main" val="2155432445"/>
       </p:ext>
     </p:extLst>
   </p:cSld>
@@ -18745,13 +18723,13 @@
   </p:clrMapOvr>
   <mc:AlternateContent xmlns:mc="http://schemas.openxmlformats.org/markup-compatibility/2006" xmlns:p14="http://schemas.microsoft.com/office/powerpoint/2010/main">
     <mc:Choice Requires="p14">
-      <p:transition spd="slow" p14:dur="1250">
-        <p14:flip dir="r"/>
+      <p:transition spd="slow" p14:dur="1500">
+        <p:blinds dir="vert"/>
       </p:transition>
     </mc:Choice>
     <mc:Fallback xmlns="">
       <p:transition spd="slow">
-        <p:fade/>
+        <p:blinds dir="vert"/>
       </p:transition>
     </mc:Fallback>
   </mc:AlternateContent>
@@ -19595,7 +19573,7 @@
           <p:cNvPr id="2" name="文本框 1">
             <a:extLst>
               <a:ext uri="{FF2B5EF4-FFF2-40B4-BE49-F238E27FC236}">
-                <a16:creationId xmlns="" xmlns:a16="http://schemas.microsoft.com/office/drawing/2014/main" id="{0F03A730-8992-A7B9-8644-106D94F9A318}"/>
+                <a16:creationId xmlns:a16="http://schemas.microsoft.com/office/drawing/2014/main" id="{0F03A730-8992-A7B9-8644-106D94F9A318}"/>
               </a:ext>
             </a:extLst>
           </p:cNvPr>
@@ -19658,6 +19636,753 @@
 </p:sld>
 </file>
 
+<file path=ppt/slides/slide20.xml><?xml version="1.0" encoding="utf-8"?>
+<p:sld xmlns:a="http://schemas.openxmlformats.org/drawingml/2006/main" xmlns:r="http://schemas.openxmlformats.org/officeDocument/2006/relationships" xmlns:p="http://schemas.openxmlformats.org/presentationml/2006/main">
+  <p:cSld>
+    <p:spTree>
+      <p:nvGrpSpPr>
+        <p:cNvPr id="1" name=""/>
+        <p:cNvGrpSpPr/>
+        <p:nvPr/>
+      </p:nvGrpSpPr>
+      <p:grpSpPr>
+        <a:xfrm>
+          <a:off x="0" y="0"/>
+          <a:ext cx="0" cy="0"/>
+          <a:chOff x="0" y="0"/>
+          <a:chExt cx="0" cy="0"/>
+        </a:xfrm>
+      </p:grpSpPr>
+      <p:sp>
+        <p:nvSpPr>
+          <p:cNvPr id="4" name="任意多边形: 形状 3"/>
+          <p:cNvSpPr/>
+          <p:nvPr/>
+        </p:nvSpPr>
+        <p:spPr bwMode="auto">
+          <a:xfrm flipH="1">
+            <a:off x="0" y="5871029"/>
+            <a:ext cx="12192000" cy="1012232"/>
+          </a:xfrm>
+          <a:custGeom>
+            <a:avLst/>
+            <a:gdLst>
+              <a:gd name="connsiteX0" fmla="*/ 2457949 w 12192000"/>
+              <a:gd name="connsiteY0" fmla="*/ 0 h 1012232"/>
+              <a:gd name="connsiteX1" fmla="*/ 9057549 w 12192000"/>
+              <a:gd name="connsiteY1" fmla="*/ 610553 h 1012232"/>
+              <a:gd name="connsiteX2" fmla="*/ 12192000 w 12192000"/>
+              <a:gd name="connsiteY2" fmla="*/ 305277 h 1012232"/>
+              <a:gd name="connsiteX3" fmla="*/ 12192000 w 12192000"/>
+              <a:gd name="connsiteY3" fmla="*/ 1012232 h 1012232"/>
+              <a:gd name="connsiteX4" fmla="*/ 114300 w 12192000"/>
+              <a:gd name="connsiteY4" fmla="*/ 1012232 h 1012232"/>
+              <a:gd name="connsiteX5" fmla="*/ 0 w 12192000"/>
+              <a:gd name="connsiteY5" fmla="*/ 1012232 h 1012232"/>
+              <a:gd name="connsiteX6" fmla="*/ 0 w 12192000"/>
+              <a:gd name="connsiteY6" fmla="*/ 160434 h 1012232"/>
+              <a:gd name="connsiteX7" fmla="*/ 270087 w 12192000"/>
+              <a:gd name="connsiteY7" fmla="*/ 129128 h 1012232"/>
+              <a:gd name="connsiteX8" fmla="*/ 2457949 w 12192000"/>
+              <a:gd name="connsiteY8" fmla="*/ 0 h 1012232"/>
+            </a:gdLst>
+            <a:ahLst/>
+            <a:cxnLst>
+              <a:cxn ang="0">
+                <a:pos x="connsiteX0" y="connsiteY0"/>
+              </a:cxn>
+              <a:cxn ang="0">
+                <a:pos x="connsiteX1" y="connsiteY1"/>
+              </a:cxn>
+              <a:cxn ang="0">
+                <a:pos x="connsiteX2" y="connsiteY2"/>
+              </a:cxn>
+              <a:cxn ang="0">
+                <a:pos x="connsiteX3" y="connsiteY3"/>
+              </a:cxn>
+              <a:cxn ang="0">
+                <a:pos x="connsiteX4" y="connsiteY4"/>
+              </a:cxn>
+              <a:cxn ang="0">
+                <a:pos x="connsiteX5" y="connsiteY5"/>
+              </a:cxn>
+              <a:cxn ang="0">
+                <a:pos x="connsiteX6" y="connsiteY6"/>
+              </a:cxn>
+              <a:cxn ang="0">
+                <a:pos x="connsiteX7" y="connsiteY7"/>
+              </a:cxn>
+              <a:cxn ang="0">
+                <a:pos x="connsiteX8" y="connsiteY8"/>
+              </a:cxn>
+            </a:cxnLst>
+            <a:rect l="l" t="t" r="r" b="b"/>
+            <a:pathLst>
+              <a:path w="12192000" h="1012232">
+                <a:moveTo>
+                  <a:pt x="2457949" y="0"/>
+                </a:moveTo>
+                <a:cubicBezTo>
+                  <a:pt x="4506845" y="0"/>
+                  <a:pt x="7360920" y="610553"/>
+                  <a:pt x="9057549" y="610553"/>
+                </a:cubicBezTo>
+                <a:cubicBezTo>
+                  <a:pt x="10754179" y="610553"/>
+                  <a:pt x="12192000" y="305277"/>
+                  <a:pt x="12192000" y="305277"/>
+                </a:cubicBezTo>
+                <a:cubicBezTo>
+                  <a:pt x="12192000" y="1012232"/>
+                  <a:pt x="12192000" y="1012232"/>
+                  <a:pt x="12192000" y="1012232"/>
+                </a:cubicBezTo>
+                <a:cubicBezTo>
+                  <a:pt x="5290457" y="1012232"/>
+                  <a:pt x="1839686" y="1012232"/>
+                  <a:pt x="114300" y="1012232"/>
+                </a:cubicBezTo>
+                <a:lnTo>
+                  <a:pt x="0" y="1012232"/>
+                </a:lnTo>
+                <a:lnTo>
+                  <a:pt x="0" y="160434"/>
+                </a:lnTo>
+                <a:lnTo>
+                  <a:pt x="270087" y="129128"/>
+                </a:lnTo>
+                <a:cubicBezTo>
+                  <a:pt x="925321" y="57390"/>
+                  <a:pt x="1689613" y="0"/>
+                  <a:pt x="2457949" y="0"/>
+                </a:cubicBezTo>
+                <a:close/>
+              </a:path>
+            </a:pathLst>
+          </a:custGeom>
+          <a:solidFill>
+            <a:srgbClr val="526188"/>
+          </a:solidFill>
+          <a:ln>
+            <a:noFill/>
+          </a:ln>
+        </p:spPr>
+        <p:style>
+          <a:lnRef idx="2">
+            <a:schemeClr val="accent1">
+              <a:shade val="50000"/>
+            </a:schemeClr>
+          </a:lnRef>
+          <a:fillRef idx="1">
+            <a:schemeClr val="accent1"/>
+          </a:fillRef>
+          <a:effectRef idx="0">
+            <a:schemeClr val="accent1"/>
+          </a:effectRef>
+          <a:fontRef idx="minor">
+            <a:schemeClr val="lt1"/>
+          </a:fontRef>
+        </p:style>
+        <p:txBody>
+          <a:bodyPr rot="0" spcFirstLastPara="0" vertOverflow="overflow" horzOverflow="overflow" vert="horz" wrap="square" lIns="91440" tIns="45720" rIns="91440" bIns="45720" numCol="1" spcCol="0" rtlCol="0" fromWordArt="0" anchor="ctr" anchorCtr="0" forceAA="0" compatLnSpc="1">
+            <a:noAutofit/>
+          </a:bodyPr>
+          <a:lstStyle/>
+          <a:p>
+            <a:pPr algn="ctr"/>
+            <a:endParaRPr kumimoji="1" lang="zh-CN" altLang="en-US">
+              <a:solidFill>
+                <a:schemeClr val="lt1"/>
+              </a:solidFill>
+              <a:latin typeface="Arial" panose="020B0604020202020204" pitchFamily="34" charset="0"/>
+              <a:ea typeface="思源黑体 CN Normal" panose="020B0400000000000000" pitchFamily="34" charset="-122"/>
+              <a:sym typeface="Arial" panose="020B0604020202020204" pitchFamily="34" charset="0"/>
+            </a:endParaRPr>
+          </a:p>
+        </p:txBody>
+      </p:sp>
+      <p:pic>
+        <p:nvPicPr>
+          <p:cNvPr id="3" name="Picture 2"/>
+          <p:cNvPicPr>
+            <a:picLocks noChangeAspect="1"/>
+          </p:cNvPicPr>
+          <p:nvPr/>
+        </p:nvPicPr>
+        <p:blipFill>
+          <a:blip r:embed="rId2"/>
+          <a:stretch>
+            <a:fillRect/>
+          </a:stretch>
+        </p:blipFill>
+        <p:spPr>
+          <a:xfrm>
+            <a:off x="7431193" y="2076171"/>
+            <a:ext cx="4583330" cy="2339350"/>
+          </a:xfrm>
+          <a:prstGeom prst="rect">
+            <a:avLst/>
+          </a:prstGeom>
+        </p:spPr>
+      </p:pic>
+      <p:grpSp>
+        <p:nvGrpSpPr>
+          <p:cNvPr id="5" name="组合 4">
+            <a:extLst>
+              <a:ext uri="{FF2B5EF4-FFF2-40B4-BE49-F238E27FC236}">
+                <a16:creationId xmlns:a16="http://schemas.microsoft.com/office/drawing/2014/main" id="{A8E88021-6911-6964-C67E-AEFBFB76F4D0}"/>
+              </a:ext>
+            </a:extLst>
+          </p:cNvPr>
+          <p:cNvGrpSpPr/>
+          <p:nvPr/>
+        </p:nvGrpSpPr>
+        <p:grpSpPr>
+          <a:xfrm>
+            <a:off x="1148929" y="1947566"/>
+            <a:ext cx="5745804" cy="400110"/>
+            <a:chOff x="586389" y="1463977"/>
+            <a:chExt cx="5745804" cy="400110"/>
+          </a:xfrm>
+        </p:grpSpPr>
+        <p:sp>
+          <p:nvSpPr>
+            <p:cNvPr id="9" name="文本框 8">
+              <a:extLst>
+                <a:ext uri="{FF2B5EF4-FFF2-40B4-BE49-F238E27FC236}">
+                  <a16:creationId xmlns:a16="http://schemas.microsoft.com/office/drawing/2014/main" id="{FF762BAE-6650-819B-09EF-19E1B382BD0C}"/>
+                </a:ext>
+              </a:extLst>
+            </p:cNvPr>
+            <p:cNvSpPr txBox="1"/>
+            <p:nvPr/>
+          </p:nvSpPr>
+          <p:spPr>
+            <a:xfrm>
+              <a:off x="786946" y="1463977"/>
+              <a:ext cx="5545247" cy="400110"/>
+            </a:xfrm>
+            <a:prstGeom prst="rect">
+              <a:avLst/>
+            </a:prstGeom>
+            <a:noFill/>
+          </p:spPr>
+          <p:txBody>
+            <a:bodyPr wrap="square" rtlCol="0">
+              <a:spAutoFit/>
+            </a:bodyPr>
+            <a:lstStyle>
+              <a:defPPr>
+                <a:defRPr lang="zh-CN"/>
+              </a:defPPr>
+              <a:lvl1pPr algn="dist">
+                <a:defRPr>
+                  <a:latin typeface="华文仿宋" panose="02010600040101010101" pitchFamily="2" charset="-122"/>
+                  <a:ea typeface="华文仿宋" panose="02010600040101010101" pitchFamily="2" charset="-122"/>
+                </a:defRPr>
+              </a:lvl1pPr>
+            </a:lstStyle>
+            <a:p>
+              <a:pPr marL="0" marR="0" lvl="0" indent="0" algn="l" defTabSz="914400" rtl="0" eaLnBrk="1" fontAlgn="auto" latinLnBrk="0" hangingPunct="1">
+                <a:lnSpc>
+                  <a:spcPct val="100000"/>
+                </a:lnSpc>
+                <a:spcBef>
+                  <a:spcPts val="0"/>
+                </a:spcBef>
+                <a:spcAft>
+                  <a:spcPts val="0"/>
+                </a:spcAft>
+                <a:buClrTx/>
+                <a:buSzTx/>
+                <a:buFontTx/>
+                <a:buNone/>
+                <a:tabLst/>
+                <a:defRPr/>
+              </a:pPr>
+              <a:r>
+                <a:rPr kumimoji="0" lang="en-US" altLang="zh-CN" sz="2000" b="0" i="0" u="none" strike="noStrike" kern="1200" cap="none" spc="0" normalizeH="0" baseline="0" noProof="0" dirty="0">
+                  <a:ln>
+                    <a:noFill/>
+                  </a:ln>
+                  <a:effectLst/>
+                  <a:uLnTx/>
+                  <a:uFillTx/>
+                  <a:latin typeface="微软雅黑" panose="020B0503020204020204" pitchFamily="34" charset="-122"/>
+                  <a:ea typeface="微软雅黑" panose="020B0503020204020204" pitchFamily="34" charset="-122"/>
+                  <a:cs typeface="+mn-cs"/>
+                </a:rPr>
+                <a:t>Q1: </a:t>
+              </a:r>
+            </a:p>
+          </p:txBody>
+        </p:sp>
+        <p:sp>
+          <p:nvSpPr>
+            <p:cNvPr id="10" name="泪滴形 2">
+              <a:extLst>
+                <a:ext uri="{FF2B5EF4-FFF2-40B4-BE49-F238E27FC236}">
+                  <a16:creationId xmlns:a16="http://schemas.microsoft.com/office/drawing/2014/main" id="{AA42C2EF-4A05-4A02-6273-8D9793BEBCDF}"/>
+                </a:ext>
+              </a:extLst>
+            </p:cNvPr>
+            <p:cNvSpPr/>
+            <p:nvPr/>
+          </p:nvSpPr>
+          <p:spPr>
+            <a:xfrm>
+              <a:off x="586389" y="1640218"/>
+              <a:ext cx="117146" cy="117146"/>
+            </a:xfrm>
+            <a:prstGeom prst="teardrop">
+              <a:avLst/>
+            </a:prstGeom>
+            <a:solidFill>
+              <a:srgbClr val="526188"/>
+            </a:solidFill>
+            <a:ln>
+              <a:noFill/>
+            </a:ln>
+            <a:effectLst>
+              <a:outerShdw blurRad="50800" dist="38100" dir="2700000" algn="tl" rotWithShape="0">
+                <a:prstClr val="black">
+                  <a:alpha val="40000"/>
+                </a:prstClr>
+              </a:outerShdw>
+            </a:effectLst>
+          </p:spPr>
+          <p:style>
+            <a:lnRef idx="2">
+              <a:schemeClr val="accent1">
+                <a:shade val="50000"/>
+              </a:schemeClr>
+            </a:lnRef>
+            <a:fillRef idx="1">
+              <a:schemeClr val="accent1"/>
+            </a:fillRef>
+            <a:effectRef idx="0">
+              <a:schemeClr val="accent1"/>
+            </a:effectRef>
+            <a:fontRef idx="minor">
+              <a:schemeClr val="lt1"/>
+            </a:fontRef>
+          </p:style>
+          <p:txBody>
+            <a:bodyPr rtlCol="0" anchor="ctr"/>
+            <a:lstStyle/>
+            <a:p>
+              <a:pPr algn="ctr"/>
+              <a:endParaRPr lang="zh-CN" altLang="en-US"/>
+            </a:p>
+          </p:txBody>
+        </p:sp>
+      </p:grpSp>
+      <p:grpSp>
+        <p:nvGrpSpPr>
+          <p:cNvPr id="11" name="组合 10">
+            <a:extLst>
+              <a:ext uri="{FF2B5EF4-FFF2-40B4-BE49-F238E27FC236}">
+                <a16:creationId xmlns:a16="http://schemas.microsoft.com/office/drawing/2014/main" id="{ABA4BEA3-FFCF-090C-012E-7CFF636CC768}"/>
+              </a:ext>
+            </a:extLst>
+          </p:cNvPr>
+          <p:cNvGrpSpPr/>
+          <p:nvPr/>
+        </p:nvGrpSpPr>
+        <p:grpSpPr>
+          <a:xfrm>
+            <a:off x="1148929" y="3447262"/>
+            <a:ext cx="5745804" cy="1323439"/>
+            <a:chOff x="586389" y="1463977"/>
+            <a:chExt cx="5745804" cy="1323439"/>
+          </a:xfrm>
+        </p:grpSpPr>
+        <p:sp>
+          <p:nvSpPr>
+            <p:cNvPr id="12" name="文本框 11">
+              <a:extLst>
+                <a:ext uri="{FF2B5EF4-FFF2-40B4-BE49-F238E27FC236}">
+                  <a16:creationId xmlns:a16="http://schemas.microsoft.com/office/drawing/2014/main" id="{8FB66783-7B09-E1B5-6761-C78EB8562FAE}"/>
+                </a:ext>
+              </a:extLst>
+            </p:cNvPr>
+            <p:cNvSpPr txBox="1"/>
+            <p:nvPr/>
+          </p:nvSpPr>
+          <p:spPr>
+            <a:xfrm>
+              <a:off x="786946" y="1463977"/>
+              <a:ext cx="5545247" cy="1323439"/>
+            </a:xfrm>
+            <a:prstGeom prst="rect">
+              <a:avLst/>
+            </a:prstGeom>
+            <a:noFill/>
+          </p:spPr>
+          <p:txBody>
+            <a:bodyPr wrap="square" rtlCol="0">
+              <a:spAutoFit/>
+            </a:bodyPr>
+            <a:lstStyle>
+              <a:defPPr>
+                <a:defRPr lang="zh-CN"/>
+              </a:defPPr>
+              <a:lvl1pPr algn="dist">
+                <a:defRPr>
+                  <a:latin typeface="华文仿宋" panose="02010600040101010101" pitchFamily="2" charset="-122"/>
+                  <a:ea typeface="华文仿宋" panose="02010600040101010101" pitchFamily="2" charset="-122"/>
+                </a:defRPr>
+              </a:lvl1pPr>
+            </a:lstStyle>
+            <a:p>
+              <a:pPr marL="0" marR="0" lvl="0" indent="0" algn="l" defTabSz="914400" rtl="0" eaLnBrk="1" fontAlgn="auto" latinLnBrk="0" hangingPunct="1">
+                <a:lnSpc>
+                  <a:spcPct val="100000"/>
+                </a:lnSpc>
+                <a:spcBef>
+                  <a:spcPts val="0"/>
+                </a:spcBef>
+                <a:spcAft>
+                  <a:spcPts val="0"/>
+                </a:spcAft>
+                <a:buClrTx/>
+                <a:buSzTx/>
+                <a:buFontTx/>
+                <a:buNone/>
+                <a:tabLst/>
+                <a:defRPr/>
+              </a:pPr>
+              <a:r>
+                <a:rPr kumimoji="0" lang="en-US" altLang="zh-CN" sz="2000" b="0" i="0" u="none" strike="noStrike" kern="1200" cap="none" spc="0" normalizeH="0" baseline="0" noProof="0" dirty="0">
+                  <a:ln>
+                    <a:noFill/>
+                  </a:ln>
+                  <a:effectLst/>
+                  <a:uLnTx/>
+                  <a:uFillTx/>
+                  <a:latin typeface="微软雅黑" panose="020B0503020204020204" pitchFamily="34" charset="-122"/>
+                  <a:ea typeface="微软雅黑" panose="020B0503020204020204" pitchFamily="34" charset="-122"/>
+                  <a:cs typeface="+mn-cs"/>
+                </a:rPr>
+                <a:t>Q2: what challenges did I mention in the model part? </a:t>
+              </a:r>
+            </a:p>
+            <a:p>
+              <a:pPr marL="0" marR="0" lvl="0" indent="0" algn="l" defTabSz="914400" rtl="0" eaLnBrk="1" fontAlgn="auto" latinLnBrk="0" hangingPunct="1">
+                <a:lnSpc>
+                  <a:spcPct val="100000"/>
+                </a:lnSpc>
+                <a:spcBef>
+                  <a:spcPts val="0"/>
+                </a:spcBef>
+                <a:spcAft>
+                  <a:spcPts val="0"/>
+                </a:spcAft>
+                <a:buClrTx/>
+                <a:buSzTx/>
+                <a:buFontTx/>
+                <a:buNone/>
+                <a:tabLst/>
+                <a:defRPr/>
+              </a:pPr>
+              <a:r>
+                <a:rPr kumimoji="0" lang="en-US" altLang="zh-CN" sz="2000" b="0" i="0" u="none" strike="noStrike" kern="1200" cap="none" spc="0" normalizeH="0" baseline="0" noProof="0" dirty="0">
+                  <a:ln>
+                    <a:noFill/>
+                  </a:ln>
+                  <a:effectLst/>
+                  <a:uLnTx/>
+                  <a:uFillTx/>
+                  <a:latin typeface="微软雅黑" panose="020B0503020204020204" pitchFamily="34" charset="-122"/>
+                  <a:ea typeface="微软雅黑" panose="020B0503020204020204" pitchFamily="34" charset="-122"/>
+                  <a:cs typeface="+mn-cs"/>
+                </a:rPr>
+                <a:t>Please list one/two challenges by your own words.</a:t>
+              </a:r>
+            </a:p>
+          </p:txBody>
+        </p:sp>
+        <p:sp>
+          <p:nvSpPr>
+            <p:cNvPr id="13" name="泪滴形 2">
+              <a:extLst>
+                <a:ext uri="{FF2B5EF4-FFF2-40B4-BE49-F238E27FC236}">
+                  <a16:creationId xmlns:a16="http://schemas.microsoft.com/office/drawing/2014/main" id="{40D3542E-D7A9-C327-27D6-46D1C2BA69F6}"/>
+                </a:ext>
+              </a:extLst>
+            </p:cNvPr>
+            <p:cNvSpPr/>
+            <p:nvPr/>
+          </p:nvSpPr>
+          <p:spPr>
+            <a:xfrm>
+              <a:off x="586389" y="1640218"/>
+              <a:ext cx="117146" cy="117146"/>
+            </a:xfrm>
+            <a:prstGeom prst="teardrop">
+              <a:avLst/>
+            </a:prstGeom>
+            <a:solidFill>
+              <a:srgbClr val="526188"/>
+            </a:solidFill>
+            <a:ln>
+              <a:noFill/>
+            </a:ln>
+            <a:effectLst>
+              <a:outerShdw blurRad="50800" dist="38100" dir="2700000" algn="tl" rotWithShape="0">
+                <a:prstClr val="black">
+                  <a:alpha val="40000"/>
+                </a:prstClr>
+              </a:outerShdw>
+            </a:effectLst>
+          </p:spPr>
+          <p:style>
+            <a:lnRef idx="2">
+              <a:schemeClr val="accent1">
+                <a:shade val="50000"/>
+              </a:schemeClr>
+            </a:lnRef>
+            <a:fillRef idx="1">
+              <a:schemeClr val="accent1"/>
+            </a:fillRef>
+            <a:effectRef idx="0">
+              <a:schemeClr val="accent1"/>
+            </a:effectRef>
+            <a:fontRef idx="minor">
+              <a:schemeClr val="lt1"/>
+            </a:fontRef>
+          </p:style>
+          <p:txBody>
+            <a:bodyPr rtlCol="0" anchor="ctr"/>
+            <a:lstStyle/>
+            <a:p>
+              <a:pPr algn="ctr"/>
+              <a:endParaRPr lang="zh-CN" altLang="en-US"/>
+            </a:p>
+          </p:txBody>
+        </p:sp>
+      </p:grpSp>
+      <p:grpSp>
+        <p:nvGrpSpPr>
+          <p:cNvPr id="14" name="组合 13">
+            <a:extLst>
+              <a:ext uri="{FF2B5EF4-FFF2-40B4-BE49-F238E27FC236}">
+                <a16:creationId xmlns:a16="http://schemas.microsoft.com/office/drawing/2014/main" id="{4D53660C-E04A-B37F-3291-539DE6C08D47}"/>
+              </a:ext>
+            </a:extLst>
+          </p:cNvPr>
+          <p:cNvGrpSpPr/>
+          <p:nvPr/>
+        </p:nvGrpSpPr>
+        <p:grpSpPr>
+          <a:xfrm>
+            <a:off x="346076" y="364699"/>
+            <a:ext cx="4617811" cy="507162"/>
+            <a:chOff x="346076" y="364699"/>
+            <a:chExt cx="4617811" cy="507162"/>
+          </a:xfrm>
+        </p:grpSpPr>
+        <p:grpSp>
+          <p:nvGrpSpPr>
+            <p:cNvPr id="15" name="组合 14">
+              <a:extLst>
+                <a:ext uri="{FF2B5EF4-FFF2-40B4-BE49-F238E27FC236}">
+                  <a16:creationId xmlns:a16="http://schemas.microsoft.com/office/drawing/2014/main" id="{6A518B22-B219-D2CB-9CFF-A103642CD66F}"/>
+                </a:ext>
+              </a:extLst>
+            </p:cNvPr>
+            <p:cNvGrpSpPr/>
+            <p:nvPr/>
+          </p:nvGrpSpPr>
+          <p:grpSpPr>
+            <a:xfrm>
+              <a:off x="346076" y="364699"/>
+              <a:ext cx="377371" cy="507162"/>
+              <a:chOff x="899886" y="361978"/>
+              <a:chExt cx="377371" cy="507162"/>
+            </a:xfrm>
+          </p:grpSpPr>
+          <p:sp>
+            <p:nvSpPr>
+              <p:cNvPr id="18" name="等腰三角形 13">
+                <a:extLst>
+                  <a:ext uri="{FF2B5EF4-FFF2-40B4-BE49-F238E27FC236}">
+                    <a16:creationId xmlns:a16="http://schemas.microsoft.com/office/drawing/2014/main" id="{CB5FC041-DB8D-19B1-5820-332473936DC0}"/>
+                  </a:ext>
+                </a:extLst>
+              </p:cNvPr>
+              <p:cNvSpPr/>
+              <p:nvPr/>
+            </p:nvSpPr>
+            <p:spPr>
+              <a:xfrm>
+                <a:off x="899886" y="613178"/>
+                <a:ext cx="377371" cy="255962"/>
+              </a:xfrm>
+              <a:prstGeom prst="triangle">
+                <a:avLst/>
+              </a:prstGeom>
+              <a:solidFill>
+                <a:srgbClr val="526188"/>
+              </a:solidFill>
+              <a:ln>
+                <a:noFill/>
+              </a:ln>
+            </p:spPr>
+            <p:style>
+              <a:lnRef idx="2">
+                <a:schemeClr val="accent1">
+                  <a:shade val="50000"/>
+                </a:schemeClr>
+              </a:lnRef>
+              <a:fillRef idx="1">
+                <a:schemeClr val="accent1"/>
+              </a:fillRef>
+              <a:effectRef idx="0">
+                <a:schemeClr val="accent1"/>
+              </a:effectRef>
+              <a:fontRef idx="minor">
+                <a:schemeClr val="lt1"/>
+              </a:fontRef>
+            </p:style>
+            <p:txBody>
+              <a:bodyPr rtlCol="0" anchor="ctr"/>
+              <a:lstStyle/>
+              <a:p>
+                <a:pPr algn="ctr"/>
+                <a:endParaRPr lang="zh-CN" altLang="en-US"/>
+              </a:p>
+            </p:txBody>
+          </p:sp>
+          <p:sp>
+            <p:nvSpPr>
+              <p:cNvPr id="19" name="等腰三角形 14">
+                <a:extLst>
+                  <a:ext uri="{FF2B5EF4-FFF2-40B4-BE49-F238E27FC236}">
+                    <a16:creationId xmlns:a16="http://schemas.microsoft.com/office/drawing/2014/main" id="{89E23BAA-1388-57FB-8E77-EF0047EED6CD}"/>
+                  </a:ext>
+                </a:extLst>
+              </p:cNvPr>
+              <p:cNvSpPr/>
+              <p:nvPr/>
+            </p:nvSpPr>
+            <p:spPr>
+              <a:xfrm rot="10800000">
+                <a:off x="899886" y="361978"/>
+                <a:ext cx="377371" cy="255962"/>
+              </a:xfrm>
+              <a:prstGeom prst="triangle">
+                <a:avLst/>
+              </a:prstGeom>
+              <a:solidFill>
+                <a:srgbClr val="E7C7A0"/>
+              </a:solidFill>
+              <a:ln>
+                <a:noFill/>
+              </a:ln>
+            </p:spPr>
+            <p:style>
+              <a:lnRef idx="2">
+                <a:schemeClr val="accent1">
+                  <a:shade val="50000"/>
+                </a:schemeClr>
+              </a:lnRef>
+              <a:fillRef idx="1">
+                <a:schemeClr val="accent1"/>
+              </a:fillRef>
+              <a:effectRef idx="0">
+                <a:schemeClr val="accent1"/>
+              </a:effectRef>
+              <a:fontRef idx="minor">
+                <a:schemeClr val="lt1"/>
+              </a:fontRef>
+            </p:style>
+            <p:txBody>
+              <a:bodyPr rtlCol="0" anchor="ctr"/>
+              <a:lstStyle/>
+              <a:p>
+                <a:pPr algn="ctr"/>
+                <a:endParaRPr lang="zh-CN" altLang="en-US"/>
+              </a:p>
+            </p:txBody>
+          </p:sp>
+        </p:grpSp>
+        <p:sp>
+          <p:nvSpPr>
+            <p:cNvPr id="16" name="文本框 15">
+              <a:extLst>
+                <a:ext uri="{FF2B5EF4-FFF2-40B4-BE49-F238E27FC236}">
+                  <a16:creationId xmlns:a16="http://schemas.microsoft.com/office/drawing/2014/main" id="{D16026BC-8C1E-0272-EB08-3A021D84A9D8}"/>
+                </a:ext>
+              </a:extLst>
+            </p:cNvPr>
+            <p:cNvSpPr txBox="1"/>
+            <p:nvPr/>
+          </p:nvSpPr>
+          <p:spPr>
+            <a:xfrm>
+              <a:off x="786947" y="424562"/>
+              <a:ext cx="4176940" cy="400110"/>
+            </a:xfrm>
+            <a:prstGeom prst="rect">
+              <a:avLst/>
+            </a:prstGeom>
+            <a:noFill/>
+          </p:spPr>
+          <p:txBody>
+            <a:bodyPr wrap="square" rtlCol="0">
+              <a:spAutoFit/>
+            </a:bodyPr>
+            <a:lstStyle/>
+            <a:p>
+              <a:r>
+                <a:rPr lang="en-US" altLang="zh-CN" sz="2000" b="1" dirty="0">
+                  <a:solidFill>
+                    <a:srgbClr val="526188"/>
+                  </a:solidFill>
+                  <a:latin typeface="微软雅黑" panose="020B0503020204020204" pitchFamily="34" charset="-122"/>
+                  <a:ea typeface="微软雅黑" panose="020B0503020204020204" pitchFamily="34" charset="-122"/>
+                  <a:cs typeface="文泉驿等宽微米黑" panose="020B0606030804020204" pitchFamily="34" charset="-122"/>
+                </a:rPr>
+                <a:t>Questions?</a:t>
+              </a:r>
+              <a:endParaRPr lang="zh-CN" altLang="en-US" sz="2000" b="1" dirty="0">
+                <a:solidFill>
+                  <a:srgbClr val="526188"/>
+                </a:solidFill>
+                <a:latin typeface="微软雅黑" panose="020B0503020204020204" pitchFamily="34" charset="-122"/>
+                <a:ea typeface="微软雅黑" panose="020B0503020204020204" pitchFamily="34" charset="-122"/>
+                <a:cs typeface="文泉驿等宽微米黑" panose="020B0606030804020204" pitchFamily="34" charset="-122"/>
+              </a:endParaRPr>
+            </a:p>
+          </p:txBody>
+        </p:sp>
+      </p:grpSp>
+    </p:spTree>
+    <p:extLst>
+      <p:ext uri="{BB962C8B-B14F-4D97-AF65-F5344CB8AC3E}">
+        <p14:creationId xmlns:p14="http://schemas.microsoft.com/office/powerpoint/2010/main" val="2083367071"/>
+      </p:ext>
+    </p:extLst>
+  </p:cSld>
+  <p:clrMapOvr>
+    <a:masterClrMapping/>
+  </p:clrMapOvr>
+  <mc:AlternateContent xmlns:mc="http://schemas.openxmlformats.org/markup-compatibility/2006" xmlns:p14="http://schemas.microsoft.com/office/powerpoint/2010/main">
+    <mc:Choice Requires="p14">
+      <p:transition spd="slow" p14:dur="1250">
+        <p14:flip dir="r"/>
+      </p:transition>
+    </mc:Choice>
+    <mc:Fallback xmlns="">
+      <p:transition spd="slow">
+        <p:fade/>
+      </p:transition>
+    </mc:Fallback>
+  </mc:AlternateContent>
+</p:sld>
+</file>
+
 <file path=ppt/slides/slide3.xml><?xml version="1.0" encoding="utf-8"?>
 <p:sld xmlns:a="http://schemas.openxmlformats.org/drawingml/2006/main" xmlns:r="http://schemas.openxmlformats.org/officeDocument/2006/relationships" xmlns:p="http://schemas.openxmlformats.org/presentationml/2006/main">
   <p:cSld>
@@ -19680,7 +20405,7 @@
           <p:cNvPr id="11" name="Picture 10">
             <a:extLst>
               <a:ext uri="{FF2B5EF4-FFF2-40B4-BE49-F238E27FC236}">
-                <a16:creationId xmlns="" xmlns:a16="http://schemas.microsoft.com/office/drawing/2014/main" id="{F578486B-AD4F-28D8-D4A8-59999634914E}"/>
+                <a16:creationId xmlns:a16="http://schemas.microsoft.com/office/drawing/2014/main" id="{F578486B-AD4F-28D8-D4A8-59999634914E}"/>
               </a:ext>
             </a:extLst>
           </p:cNvPr>
@@ -19710,7 +20435,7 @@
           <p:cNvPr id="28" name="Picture 27">
             <a:extLst>
               <a:ext uri="{FF2B5EF4-FFF2-40B4-BE49-F238E27FC236}">
-                <a16:creationId xmlns="" xmlns:a16="http://schemas.microsoft.com/office/drawing/2014/main" id="{729B206A-11BA-2C79-ABD2-8522A937FA1D}"/>
+                <a16:creationId xmlns:a16="http://schemas.microsoft.com/office/drawing/2014/main" id="{729B206A-11BA-2C79-ABD2-8522A937FA1D}"/>
               </a:ext>
             </a:extLst>
           </p:cNvPr>
@@ -19740,7 +20465,7 @@
           <p:cNvPr id="26" name="Picture 25">
             <a:extLst>
               <a:ext uri="{FF2B5EF4-FFF2-40B4-BE49-F238E27FC236}">
-                <a16:creationId xmlns="" xmlns:a16="http://schemas.microsoft.com/office/drawing/2014/main" id="{F4DFD9E2-0C01-5286-CA54-CB44D40A0A62}"/>
+                <a16:creationId xmlns:a16="http://schemas.microsoft.com/office/drawing/2014/main" id="{F4DFD9E2-0C01-5286-CA54-CB44D40A0A62}"/>
               </a:ext>
             </a:extLst>
           </p:cNvPr>
@@ -19770,7 +20495,7 @@
           <p:cNvPr id="22" name="Picture 21">
             <a:extLst>
               <a:ext uri="{FF2B5EF4-FFF2-40B4-BE49-F238E27FC236}">
-                <a16:creationId xmlns="" xmlns:a16="http://schemas.microsoft.com/office/drawing/2014/main" id="{83FFD90B-E2DA-167C-2B90-C87EFDC2EFD8}"/>
+                <a16:creationId xmlns:a16="http://schemas.microsoft.com/office/drawing/2014/main" id="{83FFD90B-E2DA-167C-2B90-C87EFDC2EFD8}"/>
               </a:ext>
             </a:extLst>
           </p:cNvPr>
@@ -19800,7 +20525,7 @@
           <p:cNvPr id="5" name="Picture 4">
             <a:extLst>
               <a:ext uri="{FF2B5EF4-FFF2-40B4-BE49-F238E27FC236}">
-                <a16:creationId xmlns="" xmlns:a16="http://schemas.microsoft.com/office/drawing/2014/main" id="{44BF1FA9-7852-2D8D-4324-A4B765932C26}"/>
+                <a16:creationId xmlns:a16="http://schemas.microsoft.com/office/drawing/2014/main" id="{44BF1FA9-7852-2D8D-4324-A4B765932C26}"/>
               </a:ext>
             </a:extLst>
           </p:cNvPr>
@@ -19978,7 +20703,7 @@
           <p:cNvPr id="18" name="组合 17">
             <a:extLst>
               <a:ext uri="{FF2B5EF4-FFF2-40B4-BE49-F238E27FC236}">
-                <a16:creationId xmlns="" xmlns:a16="http://schemas.microsoft.com/office/drawing/2014/main" id="{00A6F1B8-7AB4-4D45-708A-B49D3DBF0FAA}"/>
+                <a16:creationId xmlns:a16="http://schemas.microsoft.com/office/drawing/2014/main" id="{00A6F1B8-7AB4-4D45-708A-B49D3DBF0FAA}"/>
               </a:ext>
             </a:extLst>
           </p:cNvPr>
@@ -19998,7 +20723,7 @@
             <p:cNvPr id="21" name="组合 20">
               <a:extLst>
                 <a:ext uri="{FF2B5EF4-FFF2-40B4-BE49-F238E27FC236}">
-                  <a16:creationId xmlns="" xmlns:a16="http://schemas.microsoft.com/office/drawing/2014/main" id="{CA5F4304-690A-0F93-E457-34D79835DB7B}"/>
+                  <a16:creationId xmlns:a16="http://schemas.microsoft.com/office/drawing/2014/main" id="{CA5F4304-690A-0F93-E457-34D79835DB7B}"/>
                 </a:ext>
               </a:extLst>
             </p:cNvPr>
@@ -20018,7 +20743,7 @@
               <p:cNvPr id="24" name="等腰三角形 13">
                 <a:extLst>
                   <a:ext uri="{FF2B5EF4-FFF2-40B4-BE49-F238E27FC236}">
-                    <a16:creationId xmlns="" xmlns:a16="http://schemas.microsoft.com/office/drawing/2014/main" id="{87196849-BB8A-7BA8-EB65-2A5044DDC940}"/>
+                    <a16:creationId xmlns:a16="http://schemas.microsoft.com/office/drawing/2014/main" id="{87196849-BB8A-7BA8-EB65-2A5044DDC940}"/>
                   </a:ext>
                 </a:extLst>
               </p:cNvPr>
@@ -20070,7 +20795,7 @@
               <p:cNvPr id="25" name="等腰三角形 14">
                 <a:extLst>
                   <a:ext uri="{FF2B5EF4-FFF2-40B4-BE49-F238E27FC236}">
-                    <a16:creationId xmlns="" xmlns:a16="http://schemas.microsoft.com/office/drawing/2014/main" id="{69D65351-D512-3589-5990-84585E934289}"/>
+                    <a16:creationId xmlns:a16="http://schemas.microsoft.com/office/drawing/2014/main" id="{69D65351-D512-3589-5990-84585E934289}"/>
                   </a:ext>
                 </a:extLst>
               </p:cNvPr>
@@ -20123,7 +20848,7 @@
             <p:cNvPr id="23" name="文本框 22">
               <a:extLst>
                 <a:ext uri="{FF2B5EF4-FFF2-40B4-BE49-F238E27FC236}">
-                  <a16:creationId xmlns="" xmlns:a16="http://schemas.microsoft.com/office/drawing/2014/main" id="{74A14D1A-A67B-6F6F-857E-F0B4E369271E}"/>
+                  <a16:creationId xmlns:a16="http://schemas.microsoft.com/office/drawing/2014/main" id="{74A14D1A-A67B-6F6F-857E-F0B4E369271E}"/>
                 </a:ext>
               </a:extLst>
             </p:cNvPr>
@@ -20196,7 +20921,7 @@
           <p:cNvPr id="29" name="组合 28">
             <a:extLst>
               <a:ext uri="{FF2B5EF4-FFF2-40B4-BE49-F238E27FC236}">
-                <a16:creationId xmlns="" xmlns:a16="http://schemas.microsoft.com/office/drawing/2014/main" id="{11CD207F-56E0-A160-E1A0-E26118A8F41E}"/>
+                <a16:creationId xmlns:a16="http://schemas.microsoft.com/office/drawing/2014/main" id="{11CD207F-56E0-A160-E1A0-E26118A8F41E}"/>
               </a:ext>
             </a:extLst>
           </p:cNvPr>
@@ -20216,7 +20941,7 @@
             <p:cNvPr id="32" name="文本框 31">
               <a:extLst>
                 <a:ext uri="{FF2B5EF4-FFF2-40B4-BE49-F238E27FC236}">
-                  <a16:creationId xmlns="" xmlns:a16="http://schemas.microsoft.com/office/drawing/2014/main" id="{9E6D2391-DA33-85A4-5D2D-ED17C70A7AB2}"/>
+                  <a16:creationId xmlns:a16="http://schemas.microsoft.com/office/drawing/2014/main" id="{9E6D2391-DA33-85A4-5D2D-ED17C70A7AB2}"/>
                 </a:ext>
               </a:extLst>
             </p:cNvPr>
@@ -20295,7 +21020,7 @@
             <p:cNvPr id="31" name="泪滴形 2">
               <a:extLst>
                 <a:ext uri="{FF2B5EF4-FFF2-40B4-BE49-F238E27FC236}">
-                  <a16:creationId xmlns="" xmlns:a16="http://schemas.microsoft.com/office/drawing/2014/main" id="{7B5EAF00-A53E-B6D1-0600-B77D00C1FC92}"/>
+                  <a16:creationId xmlns:a16="http://schemas.microsoft.com/office/drawing/2014/main" id="{7B5EAF00-A53E-B6D1-0600-B77D00C1FC92}"/>
                 </a:ext>
               </a:extLst>
             </p:cNvPr>
@@ -20355,7 +21080,7 @@
           <p:cNvPr id="34" name="组合 33">
             <a:extLst>
               <a:ext uri="{FF2B5EF4-FFF2-40B4-BE49-F238E27FC236}">
-                <a16:creationId xmlns="" xmlns:a16="http://schemas.microsoft.com/office/drawing/2014/main" id="{B3DEDA63-6724-54CF-09E6-ACA791EE6575}"/>
+                <a16:creationId xmlns:a16="http://schemas.microsoft.com/office/drawing/2014/main" id="{B3DEDA63-6724-54CF-09E6-ACA791EE6575}"/>
               </a:ext>
             </a:extLst>
           </p:cNvPr>
@@ -20375,7 +21100,7 @@
             <p:cNvPr id="35" name="文本框 34">
               <a:extLst>
                 <a:ext uri="{FF2B5EF4-FFF2-40B4-BE49-F238E27FC236}">
-                  <a16:creationId xmlns="" xmlns:a16="http://schemas.microsoft.com/office/drawing/2014/main" id="{3DBC05BA-DCB6-5F5D-B957-4A5F0539122E}"/>
+                  <a16:creationId xmlns:a16="http://schemas.microsoft.com/office/drawing/2014/main" id="{3DBC05BA-DCB6-5F5D-B957-4A5F0539122E}"/>
                 </a:ext>
               </a:extLst>
             </p:cNvPr>
@@ -20427,7 +21152,7 @@
             <p:cNvPr id="36" name="泪滴形 2">
               <a:extLst>
                 <a:ext uri="{FF2B5EF4-FFF2-40B4-BE49-F238E27FC236}">
-                  <a16:creationId xmlns="" xmlns:a16="http://schemas.microsoft.com/office/drawing/2014/main" id="{B3C78D05-E5C0-C6BE-1F23-8F1DC4BD1A32}"/>
+                  <a16:creationId xmlns:a16="http://schemas.microsoft.com/office/drawing/2014/main" id="{B3C78D05-E5C0-C6BE-1F23-8F1DC4BD1A32}"/>
                 </a:ext>
               </a:extLst>
             </p:cNvPr>
@@ -21357,7 +22082,7 @@
           <p:cNvPr id="2" name="图片 1">
             <a:extLst>
               <a:ext uri="{FF2B5EF4-FFF2-40B4-BE49-F238E27FC236}">
-                <a16:creationId xmlns="" xmlns:a16="http://schemas.microsoft.com/office/drawing/2014/main" id="{DE36C973-084B-48AE-AD98-D79592A0DC45}"/>
+                <a16:creationId xmlns:a16="http://schemas.microsoft.com/office/drawing/2014/main" id="{DE36C973-084B-48AE-AD98-D79592A0DC45}"/>
               </a:ext>
             </a:extLst>
           </p:cNvPr>
@@ -21535,7 +22260,7 @@
           <p:cNvPr id="9" name="TextBox 8">
             <a:extLst>
               <a:ext uri="{FF2B5EF4-FFF2-40B4-BE49-F238E27FC236}">
-                <a16:creationId xmlns="" xmlns:a16="http://schemas.microsoft.com/office/drawing/2014/main" id="{D1AAE41B-792C-DB6B-53A5-E956D264A4ED}"/>
+                <a16:creationId xmlns:a16="http://schemas.microsoft.com/office/drawing/2014/main" id="{D1AAE41B-792C-DB6B-53A5-E956D264A4ED}"/>
               </a:ext>
             </a:extLst>
           </p:cNvPr>
@@ -21576,7 +22301,7 @@
           <p:cNvPr id="7" name="文本框 6">
             <a:extLst>
               <a:ext uri="{FF2B5EF4-FFF2-40B4-BE49-F238E27FC236}">
-                <a16:creationId xmlns="" xmlns:a16="http://schemas.microsoft.com/office/drawing/2014/main" id="{F0770718-4937-F09B-3D22-88487F939ABF}"/>
+                <a16:creationId xmlns:a16="http://schemas.microsoft.com/office/drawing/2014/main" id="{F0770718-4937-F09B-3D22-88487F939ABF}"/>
               </a:ext>
             </a:extLst>
           </p:cNvPr>
@@ -21615,7 +22340,7 @@
           <p:cNvPr id="3" name="组合 2">
             <a:extLst>
               <a:ext uri="{FF2B5EF4-FFF2-40B4-BE49-F238E27FC236}">
-                <a16:creationId xmlns="" xmlns:a16="http://schemas.microsoft.com/office/drawing/2014/main" id="{4CEED71A-808C-7D7C-EFF3-E2B48B0B46A1}"/>
+                <a16:creationId xmlns:a16="http://schemas.microsoft.com/office/drawing/2014/main" id="{4CEED71A-808C-7D7C-EFF3-E2B48B0B46A1}"/>
               </a:ext>
             </a:extLst>
           </p:cNvPr>
@@ -21635,7 +22360,7 @@
             <p:cNvPr id="5" name="组合 4">
               <a:extLst>
                 <a:ext uri="{FF2B5EF4-FFF2-40B4-BE49-F238E27FC236}">
-                  <a16:creationId xmlns="" xmlns:a16="http://schemas.microsoft.com/office/drawing/2014/main" id="{B89EF184-264F-F47F-CD3C-670BBD3930FD}"/>
+                  <a16:creationId xmlns:a16="http://schemas.microsoft.com/office/drawing/2014/main" id="{B89EF184-264F-F47F-CD3C-670BBD3930FD}"/>
                 </a:ext>
               </a:extLst>
             </p:cNvPr>
@@ -21655,7 +22380,7 @@
               <p:cNvPr id="11" name="等腰三角形 13">
                 <a:extLst>
                   <a:ext uri="{FF2B5EF4-FFF2-40B4-BE49-F238E27FC236}">
-                    <a16:creationId xmlns="" xmlns:a16="http://schemas.microsoft.com/office/drawing/2014/main" id="{34065B56-BD12-D757-6E4F-1B14542253D7}"/>
+                    <a16:creationId xmlns:a16="http://schemas.microsoft.com/office/drawing/2014/main" id="{34065B56-BD12-D757-6E4F-1B14542253D7}"/>
                   </a:ext>
                 </a:extLst>
               </p:cNvPr>
@@ -21707,7 +22432,7 @@
               <p:cNvPr id="12" name="等腰三角形 14">
                 <a:extLst>
                   <a:ext uri="{FF2B5EF4-FFF2-40B4-BE49-F238E27FC236}">
-                    <a16:creationId xmlns="" xmlns:a16="http://schemas.microsoft.com/office/drawing/2014/main" id="{016700F7-8E35-F2DE-DD13-A95AF4638F9A}"/>
+                    <a16:creationId xmlns:a16="http://schemas.microsoft.com/office/drawing/2014/main" id="{016700F7-8E35-F2DE-DD13-A95AF4638F9A}"/>
                   </a:ext>
                 </a:extLst>
               </p:cNvPr>
@@ -21760,7 +22485,7 @@
             <p:cNvPr id="10" name="文本框 9">
               <a:extLst>
                 <a:ext uri="{FF2B5EF4-FFF2-40B4-BE49-F238E27FC236}">
-                  <a16:creationId xmlns="" xmlns:a16="http://schemas.microsoft.com/office/drawing/2014/main" id="{9BC41C83-3A6B-A65D-FC3A-BF8AA6D6A801}"/>
+                  <a16:creationId xmlns:a16="http://schemas.microsoft.com/office/drawing/2014/main" id="{9BC41C83-3A6B-A65D-FC3A-BF8AA6D6A801}"/>
                 </a:ext>
               </a:extLst>
             </p:cNvPr>
@@ -21845,7 +22570,7 @@
           <p:cNvPr id="1026" name="Picture 2" descr="The Importance Of Business Communication - Definition, Types and Tips |  CloudTalk">
             <a:extLst>
               <a:ext uri="{FF2B5EF4-FFF2-40B4-BE49-F238E27FC236}">
-                <a16:creationId xmlns="" xmlns:a16="http://schemas.microsoft.com/office/drawing/2014/main" id="{9E6F6FBA-B451-599E-8597-D13DB02AE672}"/>
+                <a16:creationId xmlns:a16="http://schemas.microsoft.com/office/drawing/2014/main" id="{9E6F6FBA-B451-599E-8597-D13DB02AE672}"/>
               </a:ext>
             </a:extLst>
           </p:cNvPr>
@@ -22040,7 +22765,7 @@
           <p:cNvPr id="9" name="TextBox 8">
             <a:extLst>
               <a:ext uri="{FF2B5EF4-FFF2-40B4-BE49-F238E27FC236}">
-                <a16:creationId xmlns="" xmlns:a16="http://schemas.microsoft.com/office/drawing/2014/main" id="{D1AAE41B-792C-DB6B-53A5-E956D264A4ED}"/>
+                <a16:creationId xmlns:a16="http://schemas.microsoft.com/office/drawing/2014/main" id="{D1AAE41B-792C-DB6B-53A5-E956D264A4ED}"/>
               </a:ext>
             </a:extLst>
           </p:cNvPr>
@@ -22088,7 +22813,7 @@
           <p:cNvPr id="3" name="组合 2">
             <a:extLst>
               <a:ext uri="{FF2B5EF4-FFF2-40B4-BE49-F238E27FC236}">
-                <a16:creationId xmlns="" xmlns:a16="http://schemas.microsoft.com/office/drawing/2014/main" id="{7090A897-BABF-0AC5-A594-F2A1817B3ED7}"/>
+                <a16:creationId xmlns:a16="http://schemas.microsoft.com/office/drawing/2014/main" id="{7090A897-BABF-0AC5-A594-F2A1817B3ED7}"/>
               </a:ext>
             </a:extLst>
           </p:cNvPr>
@@ -22108,7 +22833,7 @@
             <p:cNvPr id="5" name="组合 4">
               <a:extLst>
                 <a:ext uri="{FF2B5EF4-FFF2-40B4-BE49-F238E27FC236}">
-                  <a16:creationId xmlns="" xmlns:a16="http://schemas.microsoft.com/office/drawing/2014/main" id="{5DE9789B-1780-DA25-C375-CF1FA2DD775E}"/>
+                  <a16:creationId xmlns:a16="http://schemas.microsoft.com/office/drawing/2014/main" id="{5DE9789B-1780-DA25-C375-CF1FA2DD775E}"/>
                 </a:ext>
               </a:extLst>
             </p:cNvPr>
@@ -22128,7 +22853,7 @@
               <p:cNvPr id="11" name="等腰三角形 13">
                 <a:extLst>
                   <a:ext uri="{FF2B5EF4-FFF2-40B4-BE49-F238E27FC236}">
-                    <a16:creationId xmlns="" xmlns:a16="http://schemas.microsoft.com/office/drawing/2014/main" id="{D7386F38-99B4-97A0-8B7C-D59390D18D67}"/>
+                    <a16:creationId xmlns:a16="http://schemas.microsoft.com/office/drawing/2014/main" id="{D7386F38-99B4-97A0-8B7C-D59390D18D67}"/>
                   </a:ext>
                 </a:extLst>
               </p:cNvPr>
@@ -22180,7 +22905,7 @@
               <p:cNvPr id="12" name="等腰三角形 14">
                 <a:extLst>
                   <a:ext uri="{FF2B5EF4-FFF2-40B4-BE49-F238E27FC236}">
-                    <a16:creationId xmlns="" xmlns:a16="http://schemas.microsoft.com/office/drawing/2014/main" id="{F4437B9B-CEBA-6BF8-1D25-14CD531447DA}"/>
+                    <a16:creationId xmlns:a16="http://schemas.microsoft.com/office/drawing/2014/main" id="{F4437B9B-CEBA-6BF8-1D25-14CD531447DA}"/>
                   </a:ext>
                 </a:extLst>
               </p:cNvPr>
@@ -22233,7 +22958,7 @@
             <p:cNvPr id="7" name="文本框 6">
               <a:extLst>
                 <a:ext uri="{FF2B5EF4-FFF2-40B4-BE49-F238E27FC236}">
-                  <a16:creationId xmlns="" xmlns:a16="http://schemas.microsoft.com/office/drawing/2014/main" id="{6EC4F007-30AA-7F5F-DADF-A404E04715A7}"/>
+                  <a16:creationId xmlns:a16="http://schemas.microsoft.com/office/drawing/2014/main" id="{6EC4F007-30AA-7F5F-DADF-A404E04715A7}"/>
                 </a:ext>
               </a:extLst>
             </p:cNvPr>
@@ -22276,7 +23001,7 @@
           <p:cNvPr id="13" name="组合 12">
             <a:extLst>
               <a:ext uri="{FF2B5EF4-FFF2-40B4-BE49-F238E27FC236}">
-                <a16:creationId xmlns="" xmlns:a16="http://schemas.microsoft.com/office/drawing/2014/main" id="{8B731B64-43AE-16BF-2E97-2F402D1F2E18}"/>
+                <a16:creationId xmlns:a16="http://schemas.microsoft.com/office/drawing/2014/main" id="{8B731B64-43AE-16BF-2E97-2F402D1F2E18}"/>
               </a:ext>
             </a:extLst>
           </p:cNvPr>
@@ -22296,7 +23021,7 @@
             <p:cNvPr id="15" name="文本框 14">
               <a:extLst>
                 <a:ext uri="{FF2B5EF4-FFF2-40B4-BE49-F238E27FC236}">
-                  <a16:creationId xmlns="" xmlns:a16="http://schemas.microsoft.com/office/drawing/2014/main" id="{1EEAE6D8-4094-FDBD-6329-CD42738CD542}"/>
+                  <a16:creationId xmlns:a16="http://schemas.microsoft.com/office/drawing/2014/main" id="{1EEAE6D8-4094-FDBD-6329-CD42738CD542}"/>
                 </a:ext>
               </a:extLst>
             </p:cNvPr>
@@ -22368,7 +23093,7 @@
             <p:cNvPr id="18" name="泪滴形 2">
               <a:extLst>
                 <a:ext uri="{FF2B5EF4-FFF2-40B4-BE49-F238E27FC236}">
-                  <a16:creationId xmlns="" xmlns:a16="http://schemas.microsoft.com/office/drawing/2014/main" id="{DB336524-426B-6F32-5A6F-9D145C8B377A}"/>
+                  <a16:creationId xmlns:a16="http://schemas.microsoft.com/office/drawing/2014/main" id="{DB336524-426B-6F32-5A6F-9D145C8B377A}"/>
                 </a:ext>
               </a:extLst>
             </p:cNvPr>
@@ -22428,7 +23153,7 @@
           <p:cNvPr id="21" name="组合 20">
             <a:extLst>
               <a:ext uri="{FF2B5EF4-FFF2-40B4-BE49-F238E27FC236}">
-                <a16:creationId xmlns="" xmlns:a16="http://schemas.microsoft.com/office/drawing/2014/main" id="{6AEF78C2-49AD-2FBB-6B47-DD0682C41349}"/>
+                <a16:creationId xmlns:a16="http://schemas.microsoft.com/office/drawing/2014/main" id="{6AEF78C2-49AD-2FBB-6B47-DD0682C41349}"/>
               </a:ext>
             </a:extLst>
           </p:cNvPr>
@@ -22448,7 +23173,7 @@
             <p:cNvPr id="22" name="文本框 21">
               <a:extLst>
                 <a:ext uri="{FF2B5EF4-FFF2-40B4-BE49-F238E27FC236}">
-                  <a16:creationId xmlns="" xmlns:a16="http://schemas.microsoft.com/office/drawing/2014/main" id="{3E052D85-10FC-4E8C-5871-085E3A0402AC}"/>
+                  <a16:creationId xmlns:a16="http://schemas.microsoft.com/office/drawing/2014/main" id="{3E052D85-10FC-4E8C-5871-085E3A0402AC}"/>
                 </a:ext>
               </a:extLst>
             </p:cNvPr>
@@ -22497,7 +23222,7 @@
             <p:cNvPr id="23" name="泪滴形 2">
               <a:extLst>
                 <a:ext uri="{FF2B5EF4-FFF2-40B4-BE49-F238E27FC236}">
-                  <a16:creationId xmlns="" xmlns:a16="http://schemas.microsoft.com/office/drawing/2014/main" id="{B22DF04C-4D5D-9812-3A7A-0C3975357C0E}"/>
+                  <a16:creationId xmlns:a16="http://schemas.microsoft.com/office/drawing/2014/main" id="{B22DF04C-4D5D-9812-3A7A-0C3975357C0E}"/>
                 </a:ext>
               </a:extLst>
             </p:cNvPr>
@@ -22599,7 +23324,7 @@
           <p:cNvPr id="1026" name="Picture 2" descr="Pineberry Strawberry Plants for Sale | FastGrowingTrees.com">
             <a:extLst>
               <a:ext uri="{FF2B5EF4-FFF2-40B4-BE49-F238E27FC236}">
-                <a16:creationId xmlns="" xmlns:a16="http://schemas.microsoft.com/office/drawing/2014/main" id="{8AB4B0B3-3974-F4B8-7DA8-E437BCE149D9}"/>
+                <a16:creationId xmlns:a16="http://schemas.microsoft.com/office/drawing/2014/main" id="{8AB4B0B3-3974-F4B8-7DA8-E437BCE149D9}"/>
               </a:ext>
             </a:extLst>
           </p:cNvPr>
@@ -22794,7 +23519,7 @@
           <p:cNvPr id="9" name="TextBox 8">
             <a:extLst>
               <a:ext uri="{FF2B5EF4-FFF2-40B4-BE49-F238E27FC236}">
-                <a16:creationId xmlns="" xmlns:a16="http://schemas.microsoft.com/office/drawing/2014/main" id="{D1AAE41B-792C-DB6B-53A5-E956D264A4ED}"/>
+                <a16:creationId xmlns:a16="http://schemas.microsoft.com/office/drawing/2014/main" id="{D1AAE41B-792C-DB6B-53A5-E956D264A4ED}"/>
               </a:ext>
             </a:extLst>
           </p:cNvPr>
@@ -22842,7 +23567,7 @@
           <p:cNvPr id="3" name="TextBox 2">
             <a:extLst>
               <a:ext uri="{FF2B5EF4-FFF2-40B4-BE49-F238E27FC236}">
-                <a16:creationId xmlns="" xmlns:a16="http://schemas.microsoft.com/office/drawing/2014/main" id="{F18286D7-8649-487E-AD61-1B3509DE8ABB}"/>
+                <a16:creationId xmlns:a16="http://schemas.microsoft.com/office/drawing/2014/main" id="{F18286D7-8649-487E-AD61-1B3509DE8ABB}"/>
               </a:ext>
             </a:extLst>
           </p:cNvPr>
@@ -22891,7 +23616,7 @@
           <p:cNvPr id="2" name="组合 1">
             <a:extLst>
               <a:ext uri="{FF2B5EF4-FFF2-40B4-BE49-F238E27FC236}">
-                <a16:creationId xmlns="" xmlns:a16="http://schemas.microsoft.com/office/drawing/2014/main" id="{9B3BEFC4-6F2A-A3E8-3126-A320DA95BC99}"/>
+                <a16:creationId xmlns:a16="http://schemas.microsoft.com/office/drawing/2014/main" id="{9B3BEFC4-6F2A-A3E8-3126-A320DA95BC99}"/>
               </a:ext>
             </a:extLst>
           </p:cNvPr>
@@ -22911,7 +23636,7 @@
             <p:cNvPr id="5" name="组合 4">
               <a:extLst>
                 <a:ext uri="{FF2B5EF4-FFF2-40B4-BE49-F238E27FC236}">
-                  <a16:creationId xmlns="" xmlns:a16="http://schemas.microsoft.com/office/drawing/2014/main" id="{B5E1B5AE-0E5A-4C18-D52D-DCD539672EB6}"/>
+                  <a16:creationId xmlns:a16="http://schemas.microsoft.com/office/drawing/2014/main" id="{B5E1B5AE-0E5A-4C18-D52D-DCD539672EB6}"/>
                 </a:ext>
               </a:extLst>
             </p:cNvPr>
@@ -22931,7 +23656,7 @@
               <p:cNvPr id="10" name="等腰三角形 13">
                 <a:extLst>
                   <a:ext uri="{FF2B5EF4-FFF2-40B4-BE49-F238E27FC236}">
-                    <a16:creationId xmlns="" xmlns:a16="http://schemas.microsoft.com/office/drawing/2014/main" id="{0795A44F-E15C-CEB2-E950-4EA5F4CD19B0}"/>
+                    <a16:creationId xmlns:a16="http://schemas.microsoft.com/office/drawing/2014/main" id="{0795A44F-E15C-CEB2-E950-4EA5F4CD19B0}"/>
                   </a:ext>
                 </a:extLst>
               </p:cNvPr>
@@ -22983,7 +23708,7 @@
               <p:cNvPr id="11" name="等腰三角形 14">
                 <a:extLst>
                   <a:ext uri="{FF2B5EF4-FFF2-40B4-BE49-F238E27FC236}">
-                    <a16:creationId xmlns="" xmlns:a16="http://schemas.microsoft.com/office/drawing/2014/main" id="{4B81F130-2DBD-8B5D-0BD8-94EC13E4CF19}"/>
+                    <a16:creationId xmlns:a16="http://schemas.microsoft.com/office/drawing/2014/main" id="{4B81F130-2DBD-8B5D-0BD8-94EC13E4CF19}"/>
                   </a:ext>
                 </a:extLst>
               </p:cNvPr>
@@ -23036,7 +23761,7 @@
             <p:cNvPr id="7" name="文本框 6">
               <a:extLst>
                 <a:ext uri="{FF2B5EF4-FFF2-40B4-BE49-F238E27FC236}">
-                  <a16:creationId xmlns="" xmlns:a16="http://schemas.microsoft.com/office/drawing/2014/main" id="{A1C50805-D023-5370-9069-197DBEA1073D}"/>
+                  <a16:creationId xmlns:a16="http://schemas.microsoft.com/office/drawing/2014/main" id="{A1C50805-D023-5370-9069-197DBEA1073D}"/>
                 </a:ext>
               </a:extLst>
             </p:cNvPr>
@@ -24190,7 +24915,7 @@
           <p:cNvPr id="18" name="组合 17">
             <a:extLst>
               <a:ext uri="{FF2B5EF4-FFF2-40B4-BE49-F238E27FC236}">
-                <a16:creationId xmlns="" xmlns:a16="http://schemas.microsoft.com/office/drawing/2014/main" id="{EC0E4821-6B7A-AB01-F61C-2B142E07C3D1}"/>
+                <a16:creationId xmlns:a16="http://schemas.microsoft.com/office/drawing/2014/main" id="{EC0E4821-6B7A-AB01-F61C-2B142E07C3D1}"/>
               </a:ext>
             </a:extLst>
           </p:cNvPr>
@@ -26179,7 +26904,7 @@
           <p:cNvPr id="2" name="组合 1">
             <a:extLst>
               <a:ext uri="{FF2B5EF4-FFF2-40B4-BE49-F238E27FC236}">
-                <a16:creationId xmlns="" xmlns:a16="http://schemas.microsoft.com/office/drawing/2014/main" id="{5B5C80C1-760E-63E5-160E-7C0BF7D4C425}"/>
+                <a16:creationId xmlns:a16="http://schemas.microsoft.com/office/drawing/2014/main" id="{5B5C80C1-760E-63E5-160E-7C0BF7D4C425}"/>
               </a:ext>
             </a:extLst>
           </p:cNvPr>
@@ -26199,7 +26924,7 @@
             <p:cNvPr id="6" name="组合 5">
               <a:extLst>
                 <a:ext uri="{FF2B5EF4-FFF2-40B4-BE49-F238E27FC236}">
-                  <a16:creationId xmlns="" xmlns:a16="http://schemas.microsoft.com/office/drawing/2014/main" id="{1A1A9FB5-F71D-B636-AF4E-FC5D8CC63887}"/>
+                  <a16:creationId xmlns:a16="http://schemas.microsoft.com/office/drawing/2014/main" id="{1A1A9FB5-F71D-B636-AF4E-FC5D8CC63887}"/>
                 </a:ext>
               </a:extLst>
             </p:cNvPr>
@@ -26219,7 +26944,7 @@
               <p:cNvPr id="8" name="等腰三角形 13">
                 <a:extLst>
                   <a:ext uri="{FF2B5EF4-FFF2-40B4-BE49-F238E27FC236}">
-                    <a16:creationId xmlns="" xmlns:a16="http://schemas.microsoft.com/office/drawing/2014/main" id="{62638072-8269-8A27-CD1F-F9036BFA333E}"/>
+                    <a16:creationId xmlns:a16="http://schemas.microsoft.com/office/drawing/2014/main" id="{62638072-8269-8A27-CD1F-F9036BFA333E}"/>
                   </a:ext>
                 </a:extLst>
               </p:cNvPr>
@@ -26271,7 +26996,7 @@
               <p:cNvPr id="17" name="等腰三角形 14">
                 <a:extLst>
                   <a:ext uri="{FF2B5EF4-FFF2-40B4-BE49-F238E27FC236}">
-                    <a16:creationId xmlns="" xmlns:a16="http://schemas.microsoft.com/office/drawing/2014/main" id="{5B7EDFCB-4F0D-C53F-134F-3BDEAD278F3C}"/>
+                    <a16:creationId xmlns:a16="http://schemas.microsoft.com/office/drawing/2014/main" id="{5B7EDFCB-4F0D-C53F-134F-3BDEAD278F3C}"/>
                   </a:ext>
                 </a:extLst>
               </p:cNvPr>
@@ -26324,7 +27049,7 @@
             <p:cNvPr id="7" name="文本框 6">
               <a:extLst>
                 <a:ext uri="{FF2B5EF4-FFF2-40B4-BE49-F238E27FC236}">
-                  <a16:creationId xmlns="" xmlns:a16="http://schemas.microsoft.com/office/drawing/2014/main" id="{3CA840CA-871B-1E36-2BCF-5F03C42783BB}"/>
+                  <a16:creationId xmlns:a16="http://schemas.microsoft.com/office/drawing/2014/main" id="{3CA840CA-871B-1E36-2BCF-5F03C42783BB}"/>
                 </a:ext>
               </a:extLst>
             </p:cNvPr>
